--- a/image/GUI_가습, 풍향x_UI,발표자료.pptx
+++ b/image/GUI_가습, 풍향x_UI,발표자료.pptx
@@ -5,7 +5,7 @@
     <p:sldMasterId id="2147483648" r:id="rId1"/>
   </p:sldMasterIdLst>
   <p:notesMasterIdLst>
-    <p:notesMasterId r:id="rId21"/>
+    <p:notesMasterId r:id="rId22"/>
   </p:notesMasterIdLst>
   <p:sldIdLst>
     <p:sldId id="271" r:id="rId2"/>
@@ -27,6 +27,7 @@
     <p:sldId id="281" r:id="rId18"/>
     <p:sldId id="282" r:id="rId19"/>
     <p:sldId id="300" r:id="rId20"/>
+    <p:sldId id="302" r:id="rId21"/>
   </p:sldIdLst>
   <p:sldSz cx="12192000" cy="6858000"/>
   <p:notesSz cx="6858000" cy="9144000"/>
@@ -215,7 +216,7 @@
           <a:p>
             <a:fld id="{E3FF076D-786B-4BD7-AA06-B59E926059D6}" type="datetimeFigureOut">
               <a:rPr lang="ko-KR" altLang="en-US" smtClean="0"/>
-              <a:t>2023-12-26</a:t>
+              <a:t>2023-12-27</a:t>
             </a:fld>
             <a:endParaRPr lang="ko-KR" altLang="en-US"/>
           </a:p>
@@ -1133,7 +1134,7 @@
           <a:p>
             <a:fld id="{2FDE5F0B-3482-4FBE-835B-33E83C31C20A}" type="datetimeFigureOut">
               <a:rPr lang="ko-KR" altLang="en-US" smtClean="0"/>
-              <a:t>2023-12-26</a:t>
+              <a:t>2023-12-27</a:t>
             </a:fld>
             <a:endParaRPr lang="ko-KR" altLang="en-US"/>
           </a:p>
@@ -1331,7 +1332,7 @@
           <a:p>
             <a:fld id="{2FDE5F0B-3482-4FBE-835B-33E83C31C20A}" type="datetimeFigureOut">
               <a:rPr lang="ko-KR" altLang="en-US" smtClean="0"/>
-              <a:t>2023-12-26</a:t>
+              <a:t>2023-12-27</a:t>
             </a:fld>
             <a:endParaRPr lang="ko-KR" altLang="en-US"/>
           </a:p>
@@ -1539,7 +1540,7 @@
           <a:p>
             <a:fld id="{2FDE5F0B-3482-4FBE-835B-33E83C31C20A}" type="datetimeFigureOut">
               <a:rPr lang="ko-KR" altLang="en-US" smtClean="0"/>
-              <a:t>2023-12-26</a:t>
+              <a:t>2023-12-27</a:t>
             </a:fld>
             <a:endParaRPr lang="ko-KR" altLang="en-US"/>
           </a:p>
@@ -1737,7 +1738,7 @@
           <a:p>
             <a:fld id="{2FDE5F0B-3482-4FBE-835B-33E83C31C20A}" type="datetimeFigureOut">
               <a:rPr lang="ko-KR" altLang="en-US" smtClean="0"/>
-              <a:t>2023-12-26</a:t>
+              <a:t>2023-12-27</a:t>
             </a:fld>
             <a:endParaRPr lang="ko-KR" altLang="en-US"/>
           </a:p>
@@ -2012,7 +2013,7 @@
           <a:p>
             <a:fld id="{2FDE5F0B-3482-4FBE-835B-33E83C31C20A}" type="datetimeFigureOut">
               <a:rPr lang="ko-KR" altLang="en-US" smtClean="0"/>
-              <a:t>2023-12-26</a:t>
+              <a:t>2023-12-27</a:t>
             </a:fld>
             <a:endParaRPr lang="ko-KR" altLang="en-US"/>
           </a:p>
@@ -2277,7 +2278,7 @@
           <a:p>
             <a:fld id="{2FDE5F0B-3482-4FBE-835B-33E83C31C20A}" type="datetimeFigureOut">
               <a:rPr lang="ko-KR" altLang="en-US" smtClean="0"/>
-              <a:t>2023-12-26</a:t>
+              <a:t>2023-12-27</a:t>
             </a:fld>
             <a:endParaRPr lang="ko-KR" altLang="en-US"/>
           </a:p>
@@ -2689,7 +2690,7 @@
           <a:p>
             <a:fld id="{2FDE5F0B-3482-4FBE-835B-33E83C31C20A}" type="datetimeFigureOut">
               <a:rPr lang="ko-KR" altLang="en-US" smtClean="0"/>
-              <a:t>2023-12-26</a:t>
+              <a:t>2023-12-27</a:t>
             </a:fld>
             <a:endParaRPr lang="ko-KR" altLang="en-US"/>
           </a:p>
@@ -2830,7 +2831,7 @@
           <a:p>
             <a:fld id="{2FDE5F0B-3482-4FBE-835B-33E83C31C20A}" type="datetimeFigureOut">
               <a:rPr lang="ko-KR" altLang="en-US" smtClean="0"/>
-              <a:t>2023-12-26</a:t>
+              <a:t>2023-12-27</a:t>
             </a:fld>
             <a:endParaRPr lang="ko-KR" altLang="en-US"/>
           </a:p>
@@ -2943,7 +2944,7 @@
           <a:p>
             <a:fld id="{2FDE5F0B-3482-4FBE-835B-33E83C31C20A}" type="datetimeFigureOut">
               <a:rPr lang="ko-KR" altLang="en-US" smtClean="0"/>
-              <a:t>2023-12-26</a:t>
+              <a:t>2023-12-27</a:t>
             </a:fld>
             <a:endParaRPr lang="ko-KR" altLang="en-US"/>
           </a:p>
@@ -3254,7 +3255,7 @@
           <a:p>
             <a:fld id="{2FDE5F0B-3482-4FBE-835B-33E83C31C20A}" type="datetimeFigureOut">
               <a:rPr lang="ko-KR" altLang="en-US" smtClean="0"/>
-              <a:t>2023-12-26</a:t>
+              <a:t>2023-12-27</a:t>
             </a:fld>
             <a:endParaRPr lang="ko-KR" altLang="en-US"/>
           </a:p>
@@ -3542,7 +3543,7 @@
           <a:p>
             <a:fld id="{2FDE5F0B-3482-4FBE-835B-33E83C31C20A}" type="datetimeFigureOut">
               <a:rPr lang="ko-KR" altLang="en-US" smtClean="0"/>
-              <a:t>2023-12-26</a:t>
+              <a:t>2023-12-27</a:t>
             </a:fld>
             <a:endParaRPr lang="ko-KR" altLang="en-US"/>
           </a:p>
@@ -3783,7 +3784,7 @@
           <a:p>
             <a:fld id="{2FDE5F0B-3482-4FBE-835B-33E83C31C20A}" type="datetimeFigureOut">
               <a:rPr lang="ko-KR" altLang="en-US" smtClean="0"/>
-              <a:t>2023-12-26</a:t>
+              <a:t>2023-12-27</a:t>
             </a:fld>
             <a:endParaRPr lang="ko-KR" altLang="en-US"/>
           </a:p>
@@ -8134,6 +8135,13 @@
               </a:stretch>
             </a:blipFill>
           </p:spPr>
+          <p:txBody>
+            <a:bodyPr/>
+            <a:lstStyle/>
+            <a:p>
+              <a:endParaRPr lang="ko-KR" altLang="en-US"/>
+            </a:p>
+          </p:txBody>
         </p:sp>
         <p:sp>
           <p:nvSpPr>
@@ -8180,6 +8188,13 @@
               </a:stretch>
             </a:blipFill>
           </p:spPr>
+          <p:txBody>
+            <a:bodyPr/>
+            <a:lstStyle/>
+            <a:p>
+              <a:endParaRPr lang="ko-KR" altLang="en-US"/>
+            </a:p>
+          </p:txBody>
         </p:sp>
       </p:grpSp>
       <p:sp>
@@ -8233,6 +8248,13 @@
             </a:stretch>
           </a:blipFill>
         </p:spPr>
+        <p:txBody>
+          <a:bodyPr/>
+          <a:lstStyle/>
+          <a:p>
+            <a:endParaRPr lang="ko-KR" altLang="en-US"/>
+          </a:p>
+        </p:txBody>
       </p:sp>
       <p:sp>
         <p:nvSpPr>
@@ -8279,6 +8301,13 @@
             </a:stretch>
           </a:blipFill>
         </p:spPr>
+        <p:txBody>
+          <a:bodyPr/>
+          <a:lstStyle/>
+          <a:p>
+            <a:endParaRPr lang="ko-KR" altLang="en-US"/>
+          </a:p>
+        </p:txBody>
       </p:sp>
       <p:sp>
         <p:nvSpPr>
@@ -8789,6 +8818,13 @@
             </a:stretch>
           </a:blipFill>
         </p:spPr>
+        <p:txBody>
+          <a:bodyPr/>
+          <a:lstStyle/>
+          <a:p>
+            <a:endParaRPr lang="ko-KR" altLang="en-US"/>
+          </a:p>
+        </p:txBody>
       </p:sp>
       <p:sp>
         <p:nvSpPr>
@@ -8835,6 +8871,13 @@
             </a:stretch>
           </a:blipFill>
         </p:spPr>
+        <p:txBody>
+          <a:bodyPr/>
+          <a:lstStyle/>
+          <a:p>
+            <a:endParaRPr lang="ko-KR" altLang="en-US"/>
+          </a:p>
+        </p:txBody>
       </p:sp>
       <p:sp>
         <p:nvSpPr>
@@ -8881,6 +8924,13 @@
             </a:stretch>
           </a:blipFill>
         </p:spPr>
+        <p:txBody>
+          <a:bodyPr/>
+          <a:lstStyle/>
+          <a:p>
+            <a:endParaRPr lang="ko-KR" altLang="en-US"/>
+          </a:p>
+        </p:txBody>
       </p:sp>
       <p:grpSp>
         <p:nvGrpSpPr>
@@ -8941,6 +8991,13 @@
               </a:stretch>
             </a:blipFill>
           </p:spPr>
+          <p:txBody>
+            <a:bodyPr/>
+            <a:lstStyle/>
+            <a:p>
+              <a:endParaRPr lang="ko-KR" altLang="en-US"/>
+            </a:p>
+          </p:txBody>
         </p:sp>
         <p:sp>
           <p:nvSpPr>
@@ -8987,6 +9044,13 @@
               </a:stretch>
             </a:blipFill>
           </p:spPr>
+          <p:txBody>
+            <a:bodyPr/>
+            <a:lstStyle/>
+            <a:p>
+              <a:endParaRPr lang="ko-KR" altLang="en-US"/>
+            </a:p>
+          </p:txBody>
         </p:sp>
       </p:grpSp>
       <p:sp>
@@ -9040,6 +9104,13 @@
             </a:stretch>
           </a:blipFill>
         </p:spPr>
+        <p:txBody>
+          <a:bodyPr/>
+          <a:lstStyle/>
+          <a:p>
+            <a:endParaRPr lang="ko-KR" altLang="en-US"/>
+          </a:p>
+        </p:txBody>
       </p:sp>
       <p:grpSp>
         <p:nvGrpSpPr>
@@ -9111,6 +9182,13 @@
               <a:miter/>
             </a:ln>
           </p:spPr>
+          <p:txBody>
+            <a:bodyPr/>
+            <a:lstStyle/>
+            <a:p>
+              <a:endParaRPr lang="ko-KR" altLang="en-US"/>
+            </a:p>
+          </p:txBody>
         </p:sp>
         <p:sp>
           <p:nvSpPr>
@@ -9189,6 +9267,13 @@
             </a:stretch>
           </a:blipFill>
         </p:spPr>
+        <p:txBody>
+          <a:bodyPr/>
+          <a:lstStyle/>
+          <a:p>
+            <a:endParaRPr lang="ko-KR" altLang="en-US"/>
+          </a:p>
+        </p:txBody>
       </p:sp>
       <p:sp>
         <p:nvSpPr>
@@ -9235,6 +9320,13 @@
             </a:stretch>
           </a:blipFill>
         </p:spPr>
+        <p:txBody>
+          <a:bodyPr/>
+          <a:lstStyle/>
+          <a:p>
+            <a:endParaRPr lang="ko-KR" altLang="en-US"/>
+          </a:p>
+        </p:txBody>
       </p:sp>
       <p:sp>
         <p:nvSpPr>
@@ -10512,6 +10604,4574 @@
     <p:extLst>
       <p:ext uri="{BB962C8B-B14F-4D97-AF65-F5344CB8AC3E}">
         <p14:creationId xmlns:p14="http://schemas.microsoft.com/office/powerpoint/2010/main" val="2870104638"/>
+      </p:ext>
+    </p:extLst>
+  </p:cSld>
+  <p:clrMapOvr>
+    <a:masterClrMapping/>
+  </p:clrMapOvr>
+</p:sld>
+</file>
+
+<file path=ppt/slides/slide20.xml><?xml version="1.0" encoding="utf-8"?>
+<p:sld xmlns:a="http://schemas.openxmlformats.org/drawingml/2006/main" xmlns:r="http://schemas.openxmlformats.org/officeDocument/2006/relationships" xmlns:p="http://schemas.openxmlformats.org/presentationml/2006/main">
+  <p:cSld>
+    <p:spTree>
+      <p:nvGrpSpPr>
+        <p:cNvPr id="1" name=""/>
+        <p:cNvGrpSpPr/>
+        <p:nvPr/>
+      </p:nvGrpSpPr>
+      <p:grpSpPr>
+        <a:xfrm>
+          <a:off x="0" y="0"/>
+          <a:ext cx="0" cy="0"/>
+          <a:chOff x="0" y="0"/>
+          <a:chExt cx="0" cy="0"/>
+        </a:xfrm>
+      </p:grpSpPr>
+      <p:grpSp>
+        <p:nvGrpSpPr>
+          <p:cNvPr id="3" name="그룹 2">
+            <a:extLst>
+              <a:ext uri="{FF2B5EF4-FFF2-40B4-BE49-F238E27FC236}">
+                <a16:creationId xmlns:a16="http://schemas.microsoft.com/office/drawing/2014/main" id="{7BBBB364-23D7-61D7-975B-2CC61AAFB627}"/>
+              </a:ext>
+            </a:extLst>
+          </p:cNvPr>
+          <p:cNvGrpSpPr/>
+          <p:nvPr/>
+        </p:nvGrpSpPr>
+        <p:grpSpPr>
+          <a:xfrm>
+            <a:off x="550398" y="285185"/>
+            <a:ext cx="2916237" cy="2916236"/>
+            <a:chOff x="6981882" y="1273228"/>
+            <a:chExt cx="2916237" cy="2916236"/>
+          </a:xfrm>
+        </p:grpSpPr>
+        <p:sp>
+          <p:nvSpPr>
+            <p:cNvPr id="4" name="타원 3">
+              <a:extLst>
+                <a:ext uri="{FF2B5EF4-FFF2-40B4-BE49-F238E27FC236}">
+                  <a16:creationId xmlns:a16="http://schemas.microsoft.com/office/drawing/2014/main" id="{F93C80B8-856A-DF30-3EA9-4404082610CE}"/>
+                </a:ext>
+              </a:extLst>
+            </p:cNvPr>
+            <p:cNvSpPr>
+              <a:spLocks noChangeAspect="1"/>
+            </p:cNvSpPr>
+            <p:nvPr/>
+          </p:nvSpPr>
+          <p:spPr>
+            <a:xfrm>
+              <a:off x="6981882" y="1273228"/>
+              <a:ext cx="2916237" cy="2916236"/>
+            </a:xfrm>
+            <a:prstGeom prst="ellipse">
+              <a:avLst/>
+            </a:prstGeom>
+            <a:gradFill flip="none" rotWithShape="1">
+              <a:gsLst>
+                <a:gs pos="97000">
+                  <a:schemeClr val="bg2">
+                    <a:lumMod val="25000"/>
+                  </a:schemeClr>
+                </a:gs>
+                <a:gs pos="100000">
+                  <a:schemeClr val="bg2">
+                    <a:lumMod val="25000"/>
+                  </a:schemeClr>
+                </a:gs>
+              </a:gsLst>
+              <a:path path="rect">
+                <a:fillToRect l="50000" t="50000" r="50000" b="50000"/>
+              </a:path>
+              <a:tileRect/>
+            </a:gradFill>
+            <a:ln>
+              <a:noFill/>
+            </a:ln>
+            <a:effectLst>
+              <a:outerShdw blurRad="63500" sx="102000" sy="102000" algn="ctr" rotWithShape="0">
+                <a:prstClr val="black">
+                  <a:alpha val="40000"/>
+                </a:prstClr>
+              </a:outerShdw>
+            </a:effectLst>
+            <a:scene3d>
+              <a:camera prst="orthographicFront">
+                <a:rot lat="0" lon="0" rev="0"/>
+              </a:camera>
+              <a:lightRig rig="soft" dir="t">
+                <a:rot lat="0" lon="0" rev="0"/>
+              </a:lightRig>
+            </a:scene3d>
+            <a:sp3d prstMaterial="matte">
+              <a:bevelT w="355600" h="63500" prst="cross"/>
+              <a:contourClr>
+                <a:schemeClr val="bg2">
+                  <a:lumMod val="25000"/>
+                </a:schemeClr>
+              </a:contourClr>
+            </a:sp3d>
+          </p:spPr>
+          <p:style>
+            <a:lnRef idx="2">
+              <a:schemeClr val="accent1">
+                <a:shade val="50000"/>
+              </a:schemeClr>
+            </a:lnRef>
+            <a:fillRef idx="1">
+              <a:schemeClr val="accent1"/>
+            </a:fillRef>
+            <a:effectRef idx="0">
+              <a:schemeClr val="accent1"/>
+            </a:effectRef>
+            <a:fontRef idx="minor">
+              <a:schemeClr val="lt1"/>
+            </a:fontRef>
+          </p:style>
+          <p:txBody>
+            <a:bodyPr rtlCol="0" anchor="ctr"/>
+            <a:lstStyle/>
+            <a:p>
+              <a:pPr algn="ctr"/>
+              <a:endParaRPr lang="ko-KR" altLang="en-US" dirty="0"/>
+            </a:p>
+          </p:txBody>
+        </p:sp>
+        <p:grpSp>
+          <p:nvGrpSpPr>
+            <p:cNvPr id="5" name="그룹 4">
+              <a:extLst>
+                <a:ext uri="{FF2B5EF4-FFF2-40B4-BE49-F238E27FC236}">
+                  <a16:creationId xmlns:a16="http://schemas.microsoft.com/office/drawing/2014/main" id="{86983B72-8ECA-7FD4-464F-9CC5D66038AE}"/>
+                </a:ext>
+              </a:extLst>
+            </p:cNvPr>
+            <p:cNvGrpSpPr>
+              <a:grpSpLocks noChangeAspect="1"/>
+            </p:cNvGrpSpPr>
+            <p:nvPr/>
+          </p:nvGrpSpPr>
+          <p:grpSpPr>
+            <a:xfrm>
+              <a:off x="7422427" y="2282694"/>
+              <a:ext cx="897304" cy="897303"/>
+              <a:chOff x="7234891" y="530398"/>
+              <a:chExt cx="2865850" cy="2870409"/>
+            </a:xfrm>
+            <a:solidFill>
+              <a:schemeClr val="bg1"/>
+            </a:solidFill>
+          </p:grpSpPr>
+          <p:sp>
+            <p:nvSpPr>
+              <p:cNvPr id="11" name="현 10">
+                <a:extLst>
+                  <a:ext uri="{FF2B5EF4-FFF2-40B4-BE49-F238E27FC236}">
+                    <a16:creationId xmlns:a16="http://schemas.microsoft.com/office/drawing/2014/main" id="{9E4723E1-9DC4-42D7-F293-62244B44B14E}"/>
+                  </a:ext>
+                </a:extLst>
+              </p:cNvPr>
+              <p:cNvSpPr/>
+              <p:nvPr/>
+            </p:nvSpPr>
+            <p:spPr>
+              <a:xfrm>
+                <a:off x="7954891" y="1960807"/>
+                <a:ext cx="1440000" cy="1440000"/>
+              </a:xfrm>
+              <a:prstGeom prst="chord">
+                <a:avLst>
+                  <a:gd name="adj1" fmla="val 5367685"/>
+                  <a:gd name="adj2" fmla="val 16200000"/>
+                </a:avLst>
+              </a:prstGeom>
+              <a:grpFill/>
+              <a:ln>
+                <a:solidFill>
+                  <a:schemeClr val="bg1"/>
+                </a:solidFill>
+              </a:ln>
+            </p:spPr>
+            <p:style>
+              <a:lnRef idx="2">
+                <a:schemeClr val="accent1">
+                  <a:shade val="50000"/>
+                </a:schemeClr>
+              </a:lnRef>
+              <a:fillRef idx="1">
+                <a:schemeClr val="accent1"/>
+              </a:fillRef>
+              <a:effectRef idx="0">
+                <a:schemeClr val="accent1"/>
+              </a:effectRef>
+              <a:fontRef idx="minor">
+                <a:schemeClr val="lt1"/>
+              </a:fontRef>
+            </p:style>
+            <p:txBody>
+              <a:bodyPr rtlCol="0" anchor="ctr"/>
+              <a:lstStyle/>
+              <a:p>
+                <a:pPr algn="ctr"/>
+                <a:endParaRPr lang="ko-KR" altLang="en-US"/>
+              </a:p>
+            </p:txBody>
+          </p:sp>
+          <p:sp>
+            <p:nvSpPr>
+              <p:cNvPr id="12" name="현 11">
+                <a:extLst>
+                  <a:ext uri="{FF2B5EF4-FFF2-40B4-BE49-F238E27FC236}">
+                    <a16:creationId xmlns:a16="http://schemas.microsoft.com/office/drawing/2014/main" id="{3C23EB5C-9A66-F043-B140-106FB0D2157B}"/>
+                  </a:ext>
+                </a:extLst>
+              </p:cNvPr>
+              <p:cNvSpPr/>
+              <p:nvPr/>
+            </p:nvSpPr>
+            <p:spPr>
+              <a:xfrm rot="16200000">
+                <a:off x="8660741" y="1244071"/>
+                <a:ext cx="1440000" cy="1440000"/>
+              </a:xfrm>
+              <a:prstGeom prst="chord">
+                <a:avLst>
+                  <a:gd name="adj1" fmla="val 5367685"/>
+                  <a:gd name="adj2" fmla="val 16200000"/>
+                </a:avLst>
+              </a:prstGeom>
+              <a:grpFill/>
+              <a:ln>
+                <a:solidFill>
+                  <a:schemeClr val="bg1"/>
+                </a:solidFill>
+              </a:ln>
+            </p:spPr>
+            <p:style>
+              <a:lnRef idx="2">
+                <a:schemeClr val="accent1">
+                  <a:shade val="50000"/>
+                </a:schemeClr>
+              </a:lnRef>
+              <a:fillRef idx="1">
+                <a:schemeClr val="accent1"/>
+              </a:fillRef>
+              <a:effectRef idx="0">
+                <a:schemeClr val="accent1"/>
+              </a:effectRef>
+              <a:fontRef idx="minor">
+                <a:schemeClr val="lt1"/>
+              </a:fontRef>
+            </p:style>
+            <p:txBody>
+              <a:bodyPr rtlCol="0" anchor="ctr"/>
+              <a:lstStyle/>
+              <a:p>
+                <a:pPr algn="ctr"/>
+                <a:endParaRPr lang="ko-KR" altLang="en-US"/>
+              </a:p>
+            </p:txBody>
+          </p:sp>
+          <p:sp>
+            <p:nvSpPr>
+              <p:cNvPr id="13" name="현 12">
+                <a:extLst>
+                  <a:ext uri="{FF2B5EF4-FFF2-40B4-BE49-F238E27FC236}">
+                    <a16:creationId xmlns:a16="http://schemas.microsoft.com/office/drawing/2014/main" id="{CCBDFC98-C05A-665C-FEEC-AFA4D57A5D97}"/>
+                  </a:ext>
+                </a:extLst>
+              </p:cNvPr>
+              <p:cNvSpPr/>
+              <p:nvPr/>
+            </p:nvSpPr>
+            <p:spPr>
+              <a:xfrm rot="10800000">
+                <a:off x="7939135" y="530398"/>
+                <a:ext cx="1440000" cy="1440000"/>
+              </a:xfrm>
+              <a:prstGeom prst="chord">
+                <a:avLst>
+                  <a:gd name="adj1" fmla="val 5367685"/>
+                  <a:gd name="adj2" fmla="val 16200000"/>
+                </a:avLst>
+              </a:prstGeom>
+              <a:grpFill/>
+              <a:ln>
+                <a:solidFill>
+                  <a:schemeClr val="bg1"/>
+                </a:solidFill>
+              </a:ln>
+            </p:spPr>
+            <p:style>
+              <a:lnRef idx="2">
+                <a:schemeClr val="accent1">
+                  <a:shade val="50000"/>
+                </a:schemeClr>
+              </a:lnRef>
+              <a:fillRef idx="1">
+                <a:schemeClr val="accent1"/>
+              </a:fillRef>
+              <a:effectRef idx="0">
+                <a:schemeClr val="accent1"/>
+              </a:effectRef>
+              <a:fontRef idx="minor">
+                <a:schemeClr val="lt1"/>
+              </a:fontRef>
+            </p:style>
+            <p:txBody>
+              <a:bodyPr rtlCol="0" anchor="ctr"/>
+              <a:lstStyle/>
+              <a:p>
+                <a:pPr algn="ctr"/>
+                <a:endParaRPr lang="ko-KR" altLang="en-US"/>
+              </a:p>
+            </p:txBody>
+          </p:sp>
+          <p:sp>
+            <p:nvSpPr>
+              <p:cNvPr id="14" name="현 13">
+                <a:extLst>
+                  <a:ext uri="{FF2B5EF4-FFF2-40B4-BE49-F238E27FC236}">
+                    <a16:creationId xmlns:a16="http://schemas.microsoft.com/office/drawing/2014/main" id="{7A93FA12-6325-BB63-1C59-EE2B32575F03}"/>
+                  </a:ext>
+                </a:extLst>
+              </p:cNvPr>
+              <p:cNvSpPr/>
+              <p:nvPr/>
+            </p:nvSpPr>
+            <p:spPr>
+              <a:xfrm rot="5400000">
+                <a:off x="7216542" y="1256047"/>
+                <a:ext cx="1476698" cy="1440000"/>
+              </a:xfrm>
+              <a:prstGeom prst="chord">
+                <a:avLst>
+                  <a:gd name="adj1" fmla="val 5367685"/>
+                  <a:gd name="adj2" fmla="val 16200000"/>
+                </a:avLst>
+              </a:prstGeom>
+              <a:grpFill/>
+              <a:ln>
+                <a:solidFill>
+                  <a:schemeClr val="bg1"/>
+                </a:solidFill>
+              </a:ln>
+            </p:spPr>
+            <p:style>
+              <a:lnRef idx="2">
+                <a:schemeClr val="accent1">
+                  <a:shade val="50000"/>
+                </a:schemeClr>
+              </a:lnRef>
+              <a:fillRef idx="1">
+                <a:schemeClr val="accent1"/>
+              </a:fillRef>
+              <a:effectRef idx="0">
+                <a:schemeClr val="accent1"/>
+              </a:effectRef>
+              <a:fontRef idx="minor">
+                <a:schemeClr val="lt1"/>
+              </a:fontRef>
+            </p:style>
+            <p:txBody>
+              <a:bodyPr rtlCol="0" anchor="ctr"/>
+              <a:lstStyle/>
+              <a:p>
+                <a:pPr algn="ctr"/>
+                <a:endParaRPr lang="ko-KR" altLang="en-US"/>
+              </a:p>
+            </p:txBody>
+          </p:sp>
+        </p:grpSp>
+        <p:sp>
+          <p:nvSpPr>
+            <p:cNvPr id="6" name="직사각형 5">
+              <a:extLst>
+                <a:ext uri="{FF2B5EF4-FFF2-40B4-BE49-F238E27FC236}">
+                  <a16:creationId xmlns:a16="http://schemas.microsoft.com/office/drawing/2014/main" id="{C9E7BA88-4A55-57FE-AE08-7C72BF4869B9}"/>
+                </a:ext>
+              </a:extLst>
+            </p:cNvPr>
+            <p:cNvSpPr>
+              <a:spLocks noChangeAspect="1"/>
+            </p:cNvSpPr>
+            <p:nvPr/>
+          </p:nvSpPr>
+          <p:spPr>
+            <a:xfrm>
+              <a:off x="8419241" y="2913597"/>
+              <a:ext cx="154318" cy="259561"/>
+            </a:xfrm>
+            <a:prstGeom prst="rect">
+              <a:avLst/>
+            </a:prstGeom>
+            <a:solidFill>
+              <a:schemeClr val="bg1"/>
+            </a:solidFill>
+            <a:ln>
+              <a:solidFill>
+                <a:schemeClr val="bg1"/>
+              </a:solidFill>
+            </a:ln>
+          </p:spPr>
+          <p:style>
+            <a:lnRef idx="2">
+              <a:schemeClr val="accent1">
+                <a:shade val="50000"/>
+              </a:schemeClr>
+            </a:lnRef>
+            <a:fillRef idx="1">
+              <a:schemeClr val="accent1"/>
+            </a:fillRef>
+            <a:effectRef idx="0">
+              <a:schemeClr val="accent1"/>
+            </a:effectRef>
+            <a:fontRef idx="minor">
+              <a:schemeClr val="lt1"/>
+            </a:fontRef>
+          </p:style>
+          <p:txBody>
+            <a:bodyPr rtlCol="0" anchor="ctr"/>
+            <a:lstStyle/>
+            <a:p>
+              <a:pPr algn="ctr"/>
+              <a:endParaRPr lang="ko-KR" altLang="en-US"/>
+            </a:p>
+          </p:txBody>
+        </p:sp>
+        <p:sp>
+          <p:nvSpPr>
+            <p:cNvPr id="7" name="직사각형 6">
+              <a:extLst>
+                <a:ext uri="{FF2B5EF4-FFF2-40B4-BE49-F238E27FC236}">
+                  <a16:creationId xmlns:a16="http://schemas.microsoft.com/office/drawing/2014/main" id="{80D8D50D-8E0F-3EBD-02B4-B0DE91B1A14B}"/>
+                </a:ext>
+              </a:extLst>
+            </p:cNvPr>
+            <p:cNvSpPr>
+              <a:spLocks noChangeAspect="1"/>
+            </p:cNvSpPr>
+            <p:nvPr/>
+          </p:nvSpPr>
+          <p:spPr>
+            <a:xfrm>
+              <a:off x="8640244" y="2794891"/>
+              <a:ext cx="154318" cy="378266"/>
+            </a:xfrm>
+            <a:prstGeom prst="rect">
+              <a:avLst/>
+            </a:prstGeom>
+            <a:solidFill>
+              <a:srgbClr val="7F7F7F"/>
+            </a:solidFill>
+            <a:ln>
+              <a:solidFill>
+                <a:srgbClr val="7F7F7F"/>
+              </a:solidFill>
+            </a:ln>
+          </p:spPr>
+          <p:style>
+            <a:lnRef idx="2">
+              <a:schemeClr val="accent1">
+                <a:shade val="50000"/>
+              </a:schemeClr>
+            </a:lnRef>
+            <a:fillRef idx="1">
+              <a:schemeClr val="accent1"/>
+            </a:fillRef>
+            <a:effectRef idx="0">
+              <a:schemeClr val="accent1"/>
+            </a:effectRef>
+            <a:fontRef idx="minor">
+              <a:schemeClr val="lt1"/>
+            </a:fontRef>
+          </p:style>
+          <p:txBody>
+            <a:bodyPr rtlCol="0" anchor="ctr"/>
+            <a:lstStyle/>
+            <a:p>
+              <a:pPr algn="ctr"/>
+              <a:endParaRPr lang="ko-KR" altLang="en-US"/>
+            </a:p>
+          </p:txBody>
+        </p:sp>
+        <p:sp>
+          <p:nvSpPr>
+            <p:cNvPr id="8" name="직사각형 7">
+              <a:extLst>
+                <a:ext uri="{FF2B5EF4-FFF2-40B4-BE49-F238E27FC236}">
+                  <a16:creationId xmlns:a16="http://schemas.microsoft.com/office/drawing/2014/main" id="{55A81F90-53E3-D9A6-587F-F29E752B7551}"/>
+                </a:ext>
+              </a:extLst>
+            </p:cNvPr>
+            <p:cNvSpPr>
+              <a:spLocks noChangeAspect="1"/>
+            </p:cNvSpPr>
+            <p:nvPr/>
+          </p:nvSpPr>
+          <p:spPr>
+            <a:xfrm>
+              <a:off x="8861249" y="2648487"/>
+              <a:ext cx="154318" cy="524670"/>
+            </a:xfrm>
+            <a:prstGeom prst="rect">
+              <a:avLst/>
+            </a:prstGeom>
+            <a:solidFill>
+              <a:srgbClr val="7F7F7F"/>
+            </a:solidFill>
+            <a:ln>
+              <a:solidFill>
+                <a:srgbClr val="7F7F7F"/>
+              </a:solidFill>
+            </a:ln>
+          </p:spPr>
+          <p:style>
+            <a:lnRef idx="2">
+              <a:schemeClr val="accent1">
+                <a:shade val="50000"/>
+              </a:schemeClr>
+            </a:lnRef>
+            <a:fillRef idx="1">
+              <a:schemeClr val="accent1"/>
+            </a:fillRef>
+            <a:effectRef idx="0">
+              <a:schemeClr val="accent1"/>
+            </a:effectRef>
+            <a:fontRef idx="minor">
+              <a:schemeClr val="lt1"/>
+            </a:fontRef>
+          </p:style>
+          <p:txBody>
+            <a:bodyPr rtlCol="0" anchor="ctr"/>
+            <a:lstStyle/>
+            <a:p>
+              <a:pPr algn="ctr"/>
+              <a:endParaRPr lang="ko-KR" altLang="en-US" dirty="0">
+                <a:highlight>
+                  <a:srgbClr val="808080"/>
+                </a:highlight>
+              </a:endParaRPr>
+            </a:p>
+          </p:txBody>
+        </p:sp>
+        <p:sp>
+          <p:nvSpPr>
+            <p:cNvPr id="9" name="직사각형 8">
+              <a:extLst>
+                <a:ext uri="{FF2B5EF4-FFF2-40B4-BE49-F238E27FC236}">
+                  <a16:creationId xmlns:a16="http://schemas.microsoft.com/office/drawing/2014/main" id="{93133F8A-2879-E9B7-53B9-CBACE168207D}"/>
+                </a:ext>
+              </a:extLst>
+            </p:cNvPr>
+            <p:cNvSpPr>
+              <a:spLocks noChangeAspect="1"/>
+            </p:cNvSpPr>
+            <p:nvPr/>
+          </p:nvSpPr>
+          <p:spPr>
+            <a:xfrm>
+              <a:off x="9082252" y="2503800"/>
+              <a:ext cx="154318" cy="669359"/>
+            </a:xfrm>
+            <a:prstGeom prst="rect">
+              <a:avLst/>
+            </a:prstGeom>
+            <a:solidFill>
+              <a:schemeClr val="bg1">
+                <a:lumMod val="50000"/>
+              </a:schemeClr>
+            </a:solidFill>
+            <a:ln>
+              <a:solidFill>
+                <a:schemeClr val="bg1">
+                  <a:lumMod val="50000"/>
+                </a:schemeClr>
+              </a:solidFill>
+            </a:ln>
+          </p:spPr>
+          <p:style>
+            <a:lnRef idx="2">
+              <a:schemeClr val="accent1">
+                <a:shade val="50000"/>
+              </a:schemeClr>
+            </a:lnRef>
+            <a:fillRef idx="1">
+              <a:schemeClr val="accent1"/>
+            </a:fillRef>
+            <a:effectRef idx="0">
+              <a:schemeClr val="accent1"/>
+            </a:effectRef>
+            <a:fontRef idx="minor">
+              <a:schemeClr val="lt1"/>
+            </a:fontRef>
+          </p:style>
+          <p:txBody>
+            <a:bodyPr rtlCol="0" anchor="ctr"/>
+            <a:lstStyle/>
+            <a:p>
+              <a:pPr algn="ctr"/>
+              <a:endParaRPr lang="ko-KR" altLang="en-US"/>
+            </a:p>
+          </p:txBody>
+        </p:sp>
+        <p:sp>
+          <p:nvSpPr>
+            <p:cNvPr id="10" name="직사각형 9">
+              <a:extLst>
+                <a:ext uri="{FF2B5EF4-FFF2-40B4-BE49-F238E27FC236}">
+                  <a16:creationId xmlns:a16="http://schemas.microsoft.com/office/drawing/2014/main" id="{815230D7-1FF8-D4E8-95CF-9FF0BB60DA09}"/>
+                </a:ext>
+              </a:extLst>
+            </p:cNvPr>
+            <p:cNvSpPr>
+              <a:spLocks noChangeAspect="1"/>
+            </p:cNvSpPr>
+            <p:nvPr/>
+          </p:nvSpPr>
+          <p:spPr>
+            <a:xfrm>
+              <a:off x="9303255" y="2359638"/>
+              <a:ext cx="154318" cy="813521"/>
+            </a:xfrm>
+            <a:prstGeom prst="rect">
+              <a:avLst/>
+            </a:prstGeom>
+            <a:solidFill>
+              <a:schemeClr val="bg1">
+                <a:lumMod val="50000"/>
+              </a:schemeClr>
+            </a:solidFill>
+            <a:ln>
+              <a:solidFill>
+                <a:schemeClr val="bg1">
+                  <a:lumMod val="50000"/>
+                </a:schemeClr>
+              </a:solidFill>
+            </a:ln>
+          </p:spPr>
+          <p:style>
+            <a:lnRef idx="2">
+              <a:schemeClr val="accent1">
+                <a:shade val="50000"/>
+              </a:schemeClr>
+            </a:lnRef>
+            <a:fillRef idx="1">
+              <a:schemeClr val="accent1"/>
+            </a:fillRef>
+            <a:effectRef idx="0">
+              <a:schemeClr val="accent1"/>
+            </a:effectRef>
+            <a:fontRef idx="minor">
+              <a:schemeClr val="lt1"/>
+            </a:fontRef>
+          </p:style>
+          <p:txBody>
+            <a:bodyPr rtlCol="0" anchor="ctr"/>
+            <a:lstStyle/>
+            <a:p>
+              <a:pPr algn="ctr"/>
+              <a:endParaRPr lang="ko-KR" altLang="en-US" dirty="0"/>
+            </a:p>
+          </p:txBody>
+        </p:sp>
+      </p:grpSp>
+      <p:sp>
+        <p:nvSpPr>
+          <p:cNvPr id="15" name="십자형 14">
+            <a:extLst>
+              <a:ext uri="{FF2B5EF4-FFF2-40B4-BE49-F238E27FC236}">
+                <a16:creationId xmlns:a16="http://schemas.microsoft.com/office/drawing/2014/main" id="{6BAE24C0-DF78-03F2-95E5-C000B7E1707D}"/>
+              </a:ext>
+            </a:extLst>
+          </p:cNvPr>
+          <p:cNvSpPr>
+            <a:spLocks noChangeAspect="1"/>
+          </p:cNvSpPr>
+          <p:nvPr/>
+        </p:nvSpPr>
+        <p:spPr>
+          <a:xfrm>
+            <a:off x="1854978" y="606633"/>
+            <a:ext cx="307075" cy="307075"/>
+          </a:xfrm>
+          <a:prstGeom prst="plus">
+            <a:avLst>
+              <a:gd name="adj" fmla="val 35081"/>
+            </a:avLst>
+          </a:prstGeom>
+          <a:solidFill>
+            <a:schemeClr val="bg1"/>
+          </a:solidFill>
+          <a:ln>
+            <a:solidFill>
+              <a:schemeClr val="bg1"/>
+            </a:solidFill>
+          </a:ln>
+        </p:spPr>
+        <p:style>
+          <a:lnRef idx="2">
+            <a:schemeClr val="accent1">
+              <a:shade val="50000"/>
+            </a:schemeClr>
+          </a:lnRef>
+          <a:fillRef idx="1">
+            <a:schemeClr val="accent1"/>
+          </a:fillRef>
+          <a:effectRef idx="0">
+            <a:schemeClr val="accent1"/>
+          </a:effectRef>
+          <a:fontRef idx="minor">
+            <a:schemeClr val="lt1"/>
+          </a:fontRef>
+        </p:style>
+        <p:txBody>
+          <a:bodyPr rtlCol="0" anchor="ctr"/>
+          <a:lstStyle/>
+          <a:p>
+            <a:pPr algn="ctr"/>
+            <a:endParaRPr lang="ko-KR" altLang="en-US"/>
+          </a:p>
+        </p:txBody>
+      </p:sp>
+      <p:sp>
+        <p:nvSpPr>
+          <p:cNvPr id="16" name="직사각형 15">
+            <a:extLst>
+              <a:ext uri="{FF2B5EF4-FFF2-40B4-BE49-F238E27FC236}">
+                <a16:creationId xmlns:a16="http://schemas.microsoft.com/office/drawing/2014/main" id="{09D0C5CE-3F1B-52DF-D161-821125706C25}"/>
+              </a:ext>
+            </a:extLst>
+          </p:cNvPr>
+          <p:cNvSpPr/>
+          <p:nvPr/>
+        </p:nvSpPr>
+        <p:spPr>
+          <a:xfrm>
+            <a:off x="1837028" y="2595957"/>
+            <a:ext cx="342973" cy="100843"/>
+          </a:xfrm>
+          <a:prstGeom prst="rect">
+            <a:avLst/>
+          </a:prstGeom>
+          <a:solidFill>
+            <a:schemeClr val="bg1"/>
+          </a:solidFill>
+          <a:ln>
+            <a:solidFill>
+              <a:schemeClr val="bg1"/>
+            </a:solidFill>
+          </a:ln>
+        </p:spPr>
+        <p:style>
+          <a:lnRef idx="2">
+            <a:schemeClr val="accent1">
+              <a:shade val="50000"/>
+            </a:schemeClr>
+          </a:lnRef>
+          <a:fillRef idx="1">
+            <a:schemeClr val="accent1"/>
+          </a:fillRef>
+          <a:effectRef idx="0">
+            <a:schemeClr val="accent1"/>
+          </a:effectRef>
+          <a:fontRef idx="minor">
+            <a:schemeClr val="lt1"/>
+          </a:fontRef>
+        </p:style>
+        <p:txBody>
+          <a:bodyPr rtlCol="0" anchor="ctr"/>
+          <a:lstStyle/>
+          <a:p>
+            <a:pPr algn="ctr"/>
+            <a:endParaRPr lang="ko-KR" altLang="en-US"/>
+          </a:p>
+        </p:txBody>
+      </p:sp>
+      <p:grpSp>
+        <p:nvGrpSpPr>
+          <p:cNvPr id="17" name="그룹 16">
+            <a:extLst>
+              <a:ext uri="{FF2B5EF4-FFF2-40B4-BE49-F238E27FC236}">
+                <a16:creationId xmlns:a16="http://schemas.microsoft.com/office/drawing/2014/main" id="{4AD14EDD-D126-1D3A-999B-A8CDA78FA610}"/>
+              </a:ext>
+            </a:extLst>
+          </p:cNvPr>
+          <p:cNvGrpSpPr/>
+          <p:nvPr/>
+        </p:nvGrpSpPr>
+        <p:grpSpPr>
+          <a:xfrm>
+            <a:off x="4008153" y="285185"/>
+            <a:ext cx="2916237" cy="2916236"/>
+            <a:chOff x="6981882" y="1273228"/>
+            <a:chExt cx="2916237" cy="2916236"/>
+          </a:xfrm>
+        </p:grpSpPr>
+        <p:sp>
+          <p:nvSpPr>
+            <p:cNvPr id="18" name="타원 17">
+              <a:extLst>
+                <a:ext uri="{FF2B5EF4-FFF2-40B4-BE49-F238E27FC236}">
+                  <a16:creationId xmlns:a16="http://schemas.microsoft.com/office/drawing/2014/main" id="{0BB48419-2944-A284-65D2-AAAD1A20CAC3}"/>
+                </a:ext>
+              </a:extLst>
+            </p:cNvPr>
+            <p:cNvSpPr>
+              <a:spLocks noChangeAspect="1"/>
+            </p:cNvSpPr>
+            <p:nvPr/>
+          </p:nvSpPr>
+          <p:spPr>
+            <a:xfrm>
+              <a:off x="6981882" y="1273228"/>
+              <a:ext cx="2916237" cy="2916236"/>
+            </a:xfrm>
+            <a:prstGeom prst="ellipse">
+              <a:avLst/>
+            </a:prstGeom>
+            <a:gradFill flip="none" rotWithShape="1">
+              <a:gsLst>
+                <a:gs pos="97000">
+                  <a:schemeClr val="bg2">
+                    <a:lumMod val="25000"/>
+                  </a:schemeClr>
+                </a:gs>
+                <a:gs pos="100000">
+                  <a:schemeClr val="bg2">
+                    <a:lumMod val="25000"/>
+                  </a:schemeClr>
+                </a:gs>
+              </a:gsLst>
+              <a:path path="rect">
+                <a:fillToRect l="50000" t="50000" r="50000" b="50000"/>
+              </a:path>
+              <a:tileRect/>
+            </a:gradFill>
+            <a:ln>
+              <a:noFill/>
+            </a:ln>
+            <a:effectLst>
+              <a:outerShdw blurRad="63500" sx="102000" sy="102000" algn="ctr" rotWithShape="0">
+                <a:prstClr val="black">
+                  <a:alpha val="40000"/>
+                </a:prstClr>
+              </a:outerShdw>
+            </a:effectLst>
+            <a:scene3d>
+              <a:camera prst="orthographicFront">
+                <a:rot lat="0" lon="0" rev="0"/>
+              </a:camera>
+              <a:lightRig rig="soft" dir="t">
+                <a:rot lat="0" lon="0" rev="0"/>
+              </a:lightRig>
+            </a:scene3d>
+            <a:sp3d prstMaterial="matte">
+              <a:bevelT w="355600" h="63500" prst="cross"/>
+              <a:contourClr>
+                <a:schemeClr val="bg2">
+                  <a:lumMod val="25000"/>
+                </a:schemeClr>
+              </a:contourClr>
+            </a:sp3d>
+          </p:spPr>
+          <p:style>
+            <a:lnRef idx="2">
+              <a:schemeClr val="accent1">
+                <a:shade val="50000"/>
+              </a:schemeClr>
+            </a:lnRef>
+            <a:fillRef idx="1">
+              <a:schemeClr val="accent1"/>
+            </a:fillRef>
+            <a:effectRef idx="0">
+              <a:schemeClr val="accent1"/>
+            </a:effectRef>
+            <a:fontRef idx="minor">
+              <a:schemeClr val="lt1"/>
+            </a:fontRef>
+          </p:style>
+          <p:txBody>
+            <a:bodyPr rtlCol="0" anchor="ctr"/>
+            <a:lstStyle/>
+            <a:p>
+              <a:pPr algn="ctr"/>
+              <a:endParaRPr lang="ko-KR" altLang="en-US" dirty="0"/>
+            </a:p>
+          </p:txBody>
+        </p:sp>
+        <p:grpSp>
+          <p:nvGrpSpPr>
+            <p:cNvPr id="19" name="그룹 18">
+              <a:extLst>
+                <a:ext uri="{FF2B5EF4-FFF2-40B4-BE49-F238E27FC236}">
+                  <a16:creationId xmlns:a16="http://schemas.microsoft.com/office/drawing/2014/main" id="{1664A4B8-1546-6956-252F-E740E3A5AC96}"/>
+                </a:ext>
+              </a:extLst>
+            </p:cNvPr>
+            <p:cNvGrpSpPr>
+              <a:grpSpLocks noChangeAspect="1"/>
+            </p:cNvGrpSpPr>
+            <p:nvPr/>
+          </p:nvGrpSpPr>
+          <p:grpSpPr>
+            <a:xfrm>
+              <a:off x="7422427" y="2282694"/>
+              <a:ext cx="897304" cy="897303"/>
+              <a:chOff x="7234891" y="530398"/>
+              <a:chExt cx="2865850" cy="2870409"/>
+            </a:xfrm>
+            <a:solidFill>
+              <a:schemeClr val="bg1"/>
+            </a:solidFill>
+          </p:grpSpPr>
+          <p:sp>
+            <p:nvSpPr>
+              <p:cNvPr id="25" name="현 24">
+                <a:extLst>
+                  <a:ext uri="{FF2B5EF4-FFF2-40B4-BE49-F238E27FC236}">
+                    <a16:creationId xmlns:a16="http://schemas.microsoft.com/office/drawing/2014/main" id="{0C3F9558-F440-BF40-5B56-A48DA180F315}"/>
+                  </a:ext>
+                </a:extLst>
+              </p:cNvPr>
+              <p:cNvSpPr/>
+              <p:nvPr/>
+            </p:nvSpPr>
+            <p:spPr>
+              <a:xfrm>
+                <a:off x="7954891" y="1960807"/>
+                <a:ext cx="1440000" cy="1440000"/>
+              </a:xfrm>
+              <a:prstGeom prst="chord">
+                <a:avLst>
+                  <a:gd name="adj1" fmla="val 5367685"/>
+                  <a:gd name="adj2" fmla="val 16200000"/>
+                </a:avLst>
+              </a:prstGeom>
+              <a:grpFill/>
+              <a:ln>
+                <a:solidFill>
+                  <a:schemeClr val="bg1"/>
+                </a:solidFill>
+              </a:ln>
+            </p:spPr>
+            <p:style>
+              <a:lnRef idx="2">
+                <a:schemeClr val="accent1">
+                  <a:shade val="50000"/>
+                </a:schemeClr>
+              </a:lnRef>
+              <a:fillRef idx="1">
+                <a:schemeClr val="accent1"/>
+              </a:fillRef>
+              <a:effectRef idx="0">
+                <a:schemeClr val="accent1"/>
+              </a:effectRef>
+              <a:fontRef idx="minor">
+                <a:schemeClr val="lt1"/>
+              </a:fontRef>
+            </p:style>
+            <p:txBody>
+              <a:bodyPr rtlCol="0" anchor="ctr"/>
+              <a:lstStyle/>
+              <a:p>
+                <a:pPr algn="ctr"/>
+                <a:endParaRPr lang="ko-KR" altLang="en-US"/>
+              </a:p>
+            </p:txBody>
+          </p:sp>
+          <p:sp>
+            <p:nvSpPr>
+              <p:cNvPr id="26" name="현 25">
+                <a:extLst>
+                  <a:ext uri="{FF2B5EF4-FFF2-40B4-BE49-F238E27FC236}">
+                    <a16:creationId xmlns:a16="http://schemas.microsoft.com/office/drawing/2014/main" id="{667BD6B0-C777-B6A6-5480-F2E79A6E0CE5}"/>
+                  </a:ext>
+                </a:extLst>
+              </p:cNvPr>
+              <p:cNvSpPr/>
+              <p:nvPr/>
+            </p:nvSpPr>
+            <p:spPr>
+              <a:xfrm rot="16200000">
+                <a:off x="8660741" y="1244071"/>
+                <a:ext cx="1440000" cy="1440000"/>
+              </a:xfrm>
+              <a:prstGeom prst="chord">
+                <a:avLst>
+                  <a:gd name="adj1" fmla="val 5367685"/>
+                  <a:gd name="adj2" fmla="val 16200000"/>
+                </a:avLst>
+              </a:prstGeom>
+              <a:grpFill/>
+              <a:ln>
+                <a:solidFill>
+                  <a:schemeClr val="bg1"/>
+                </a:solidFill>
+              </a:ln>
+            </p:spPr>
+            <p:style>
+              <a:lnRef idx="2">
+                <a:schemeClr val="accent1">
+                  <a:shade val="50000"/>
+                </a:schemeClr>
+              </a:lnRef>
+              <a:fillRef idx="1">
+                <a:schemeClr val="accent1"/>
+              </a:fillRef>
+              <a:effectRef idx="0">
+                <a:schemeClr val="accent1"/>
+              </a:effectRef>
+              <a:fontRef idx="minor">
+                <a:schemeClr val="lt1"/>
+              </a:fontRef>
+            </p:style>
+            <p:txBody>
+              <a:bodyPr rtlCol="0" anchor="ctr"/>
+              <a:lstStyle/>
+              <a:p>
+                <a:pPr algn="ctr"/>
+                <a:endParaRPr lang="ko-KR" altLang="en-US"/>
+              </a:p>
+            </p:txBody>
+          </p:sp>
+          <p:sp>
+            <p:nvSpPr>
+              <p:cNvPr id="27" name="현 26">
+                <a:extLst>
+                  <a:ext uri="{FF2B5EF4-FFF2-40B4-BE49-F238E27FC236}">
+                    <a16:creationId xmlns:a16="http://schemas.microsoft.com/office/drawing/2014/main" id="{95532336-2AAF-F047-7C80-88D2FAC6DFA4}"/>
+                  </a:ext>
+                </a:extLst>
+              </p:cNvPr>
+              <p:cNvSpPr/>
+              <p:nvPr/>
+            </p:nvSpPr>
+            <p:spPr>
+              <a:xfrm rot="10800000">
+                <a:off x="7939135" y="530398"/>
+                <a:ext cx="1440000" cy="1440000"/>
+              </a:xfrm>
+              <a:prstGeom prst="chord">
+                <a:avLst>
+                  <a:gd name="adj1" fmla="val 5367685"/>
+                  <a:gd name="adj2" fmla="val 16200000"/>
+                </a:avLst>
+              </a:prstGeom>
+              <a:grpFill/>
+              <a:ln>
+                <a:solidFill>
+                  <a:schemeClr val="bg1"/>
+                </a:solidFill>
+              </a:ln>
+            </p:spPr>
+            <p:style>
+              <a:lnRef idx="2">
+                <a:schemeClr val="accent1">
+                  <a:shade val="50000"/>
+                </a:schemeClr>
+              </a:lnRef>
+              <a:fillRef idx="1">
+                <a:schemeClr val="accent1"/>
+              </a:fillRef>
+              <a:effectRef idx="0">
+                <a:schemeClr val="accent1"/>
+              </a:effectRef>
+              <a:fontRef idx="minor">
+                <a:schemeClr val="lt1"/>
+              </a:fontRef>
+            </p:style>
+            <p:txBody>
+              <a:bodyPr rtlCol="0" anchor="ctr"/>
+              <a:lstStyle/>
+              <a:p>
+                <a:pPr algn="ctr"/>
+                <a:endParaRPr lang="ko-KR" altLang="en-US"/>
+              </a:p>
+            </p:txBody>
+          </p:sp>
+          <p:sp>
+            <p:nvSpPr>
+              <p:cNvPr id="28" name="현 27">
+                <a:extLst>
+                  <a:ext uri="{FF2B5EF4-FFF2-40B4-BE49-F238E27FC236}">
+                    <a16:creationId xmlns:a16="http://schemas.microsoft.com/office/drawing/2014/main" id="{29966FE3-5B54-0612-ACD4-9F64A6017820}"/>
+                  </a:ext>
+                </a:extLst>
+              </p:cNvPr>
+              <p:cNvSpPr/>
+              <p:nvPr/>
+            </p:nvSpPr>
+            <p:spPr>
+              <a:xfrm rot="5400000">
+                <a:off x="7216542" y="1256047"/>
+                <a:ext cx="1476698" cy="1440000"/>
+              </a:xfrm>
+              <a:prstGeom prst="chord">
+                <a:avLst>
+                  <a:gd name="adj1" fmla="val 5367685"/>
+                  <a:gd name="adj2" fmla="val 16200000"/>
+                </a:avLst>
+              </a:prstGeom>
+              <a:grpFill/>
+              <a:ln>
+                <a:solidFill>
+                  <a:schemeClr val="bg1"/>
+                </a:solidFill>
+              </a:ln>
+            </p:spPr>
+            <p:style>
+              <a:lnRef idx="2">
+                <a:schemeClr val="accent1">
+                  <a:shade val="50000"/>
+                </a:schemeClr>
+              </a:lnRef>
+              <a:fillRef idx="1">
+                <a:schemeClr val="accent1"/>
+              </a:fillRef>
+              <a:effectRef idx="0">
+                <a:schemeClr val="accent1"/>
+              </a:effectRef>
+              <a:fontRef idx="minor">
+                <a:schemeClr val="lt1"/>
+              </a:fontRef>
+            </p:style>
+            <p:txBody>
+              <a:bodyPr rtlCol="0" anchor="ctr"/>
+              <a:lstStyle/>
+              <a:p>
+                <a:pPr algn="ctr"/>
+                <a:endParaRPr lang="ko-KR" altLang="en-US"/>
+              </a:p>
+            </p:txBody>
+          </p:sp>
+        </p:grpSp>
+        <p:sp>
+          <p:nvSpPr>
+            <p:cNvPr id="20" name="직사각형 19">
+              <a:extLst>
+                <a:ext uri="{FF2B5EF4-FFF2-40B4-BE49-F238E27FC236}">
+                  <a16:creationId xmlns:a16="http://schemas.microsoft.com/office/drawing/2014/main" id="{C3EF65E6-6994-B107-9181-088F8E597FA7}"/>
+                </a:ext>
+              </a:extLst>
+            </p:cNvPr>
+            <p:cNvSpPr>
+              <a:spLocks noChangeAspect="1"/>
+            </p:cNvSpPr>
+            <p:nvPr/>
+          </p:nvSpPr>
+          <p:spPr>
+            <a:xfrm>
+              <a:off x="8419241" y="2913597"/>
+              <a:ext cx="154318" cy="259561"/>
+            </a:xfrm>
+            <a:prstGeom prst="rect">
+              <a:avLst/>
+            </a:prstGeom>
+            <a:solidFill>
+              <a:schemeClr val="bg1"/>
+            </a:solidFill>
+            <a:ln>
+              <a:solidFill>
+                <a:schemeClr val="bg1"/>
+              </a:solidFill>
+            </a:ln>
+          </p:spPr>
+          <p:style>
+            <a:lnRef idx="2">
+              <a:schemeClr val="accent1">
+                <a:shade val="50000"/>
+              </a:schemeClr>
+            </a:lnRef>
+            <a:fillRef idx="1">
+              <a:schemeClr val="accent1"/>
+            </a:fillRef>
+            <a:effectRef idx="0">
+              <a:schemeClr val="accent1"/>
+            </a:effectRef>
+            <a:fontRef idx="minor">
+              <a:schemeClr val="lt1"/>
+            </a:fontRef>
+          </p:style>
+          <p:txBody>
+            <a:bodyPr rtlCol="0" anchor="ctr"/>
+            <a:lstStyle/>
+            <a:p>
+              <a:pPr algn="ctr"/>
+              <a:endParaRPr lang="ko-KR" altLang="en-US"/>
+            </a:p>
+          </p:txBody>
+        </p:sp>
+        <p:sp>
+          <p:nvSpPr>
+            <p:cNvPr id="21" name="직사각형 20">
+              <a:extLst>
+                <a:ext uri="{FF2B5EF4-FFF2-40B4-BE49-F238E27FC236}">
+                  <a16:creationId xmlns:a16="http://schemas.microsoft.com/office/drawing/2014/main" id="{9E13BAE9-9FAB-1741-0CA2-A3DAF4DADFA1}"/>
+                </a:ext>
+              </a:extLst>
+            </p:cNvPr>
+            <p:cNvSpPr>
+              <a:spLocks noChangeAspect="1"/>
+            </p:cNvSpPr>
+            <p:nvPr/>
+          </p:nvSpPr>
+          <p:spPr>
+            <a:xfrm>
+              <a:off x="8640244" y="2794891"/>
+              <a:ext cx="154318" cy="378266"/>
+            </a:xfrm>
+            <a:prstGeom prst="rect">
+              <a:avLst/>
+            </a:prstGeom>
+            <a:solidFill>
+              <a:schemeClr val="bg1"/>
+            </a:solidFill>
+            <a:ln>
+              <a:solidFill>
+                <a:schemeClr val="bg1"/>
+              </a:solidFill>
+            </a:ln>
+          </p:spPr>
+          <p:style>
+            <a:lnRef idx="2">
+              <a:schemeClr val="accent1">
+                <a:shade val="50000"/>
+              </a:schemeClr>
+            </a:lnRef>
+            <a:fillRef idx="1">
+              <a:schemeClr val="accent1"/>
+            </a:fillRef>
+            <a:effectRef idx="0">
+              <a:schemeClr val="accent1"/>
+            </a:effectRef>
+            <a:fontRef idx="minor">
+              <a:schemeClr val="lt1"/>
+            </a:fontRef>
+          </p:style>
+          <p:txBody>
+            <a:bodyPr rtlCol="0" anchor="ctr"/>
+            <a:lstStyle/>
+            <a:p>
+              <a:pPr algn="ctr"/>
+              <a:endParaRPr lang="ko-KR" altLang="en-US"/>
+            </a:p>
+          </p:txBody>
+        </p:sp>
+        <p:sp>
+          <p:nvSpPr>
+            <p:cNvPr id="22" name="직사각형 21">
+              <a:extLst>
+                <a:ext uri="{FF2B5EF4-FFF2-40B4-BE49-F238E27FC236}">
+                  <a16:creationId xmlns:a16="http://schemas.microsoft.com/office/drawing/2014/main" id="{89F9D36B-8ED1-5511-59E1-E554E93265A0}"/>
+                </a:ext>
+              </a:extLst>
+            </p:cNvPr>
+            <p:cNvSpPr>
+              <a:spLocks noChangeAspect="1"/>
+            </p:cNvSpPr>
+            <p:nvPr/>
+          </p:nvSpPr>
+          <p:spPr>
+            <a:xfrm>
+              <a:off x="8861249" y="2648487"/>
+              <a:ext cx="154318" cy="524670"/>
+            </a:xfrm>
+            <a:prstGeom prst="rect">
+              <a:avLst/>
+            </a:prstGeom>
+            <a:solidFill>
+              <a:srgbClr val="7F7F7F"/>
+            </a:solidFill>
+            <a:ln>
+              <a:solidFill>
+                <a:srgbClr val="7F7F7F"/>
+              </a:solidFill>
+            </a:ln>
+          </p:spPr>
+          <p:style>
+            <a:lnRef idx="2">
+              <a:schemeClr val="accent1">
+                <a:shade val="50000"/>
+              </a:schemeClr>
+            </a:lnRef>
+            <a:fillRef idx="1">
+              <a:schemeClr val="accent1"/>
+            </a:fillRef>
+            <a:effectRef idx="0">
+              <a:schemeClr val="accent1"/>
+            </a:effectRef>
+            <a:fontRef idx="minor">
+              <a:schemeClr val="lt1"/>
+            </a:fontRef>
+          </p:style>
+          <p:txBody>
+            <a:bodyPr rtlCol="0" anchor="ctr"/>
+            <a:lstStyle/>
+            <a:p>
+              <a:pPr algn="ctr"/>
+              <a:endParaRPr lang="ko-KR" altLang="en-US"/>
+            </a:p>
+          </p:txBody>
+        </p:sp>
+        <p:sp>
+          <p:nvSpPr>
+            <p:cNvPr id="23" name="직사각형 22">
+              <a:extLst>
+                <a:ext uri="{FF2B5EF4-FFF2-40B4-BE49-F238E27FC236}">
+                  <a16:creationId xmlns:a16="http://schemas.microsoft.com/office/drawing/2014/main" id="{DDB929B4-5F55-767A-0A63-D506F450F1FB}"/>
+                </a:ext>
+              </a:extLst>
+            </p:cNvPr>
+            <p:cNvSpPr>
+              <a:spLocks noChangeAspect="1"/>
+            </p:cNvSpPr>
+            <p:nvPr/>
+          </p:nvSpPr>
+          <p:spPr>
+            <a:xfrm>
+              <a:off x="9082252" y="2503800"/>
+              <a:ext cx="154318" cy="669359"/>
+            </a:xfrm>
+            <a:prstGeom prst="rect">
+              <a:avLst/>
+            </a:prstGeom>
+            <a:solidFill>
+              <a:schemeClr val="bg1">
+                <a:lumMod val="50000"/>
+              </a:schemeClr>
+            </a:solidFill>
+            <a:ln>
+              <a:solidFill>
+                <a:schemeClr val="bg1">
+                  <a:lumMod val="50000"/>
+                </a:schemeClr>
+              </a:solidFill>
+            </a:ln>
+          </p:spPr>
+          <p:style>
+            <a:lnRef idx="2">
+              <a:schemeClr val="accent1">
+                <a:shade val="50000"/>
+              </a:schemeClr>
+            </a:lnRef>
+            <a:fillRef idx="1">
+              <a:schemeClr val="accent1"/>
+            </a:fillRef>
+            <a:effectRef idx="0">
+              <a:schemeClr val="accent1"/>
+            </a:effectRef>
+            <a:fontRef idx="minor">
+              <a:schemeClr val="lt1"/>
+            </a:fontRef>
+          </p:style>
+          <p:txBody>
+            <a:bodyPr rtlCol="0" anchor="ctr"/>
+            <a:lstStyle/>
+            <a:p>
+              <a:pPr algn="ctr"/>
+              <a:endParaRPr lang="ko-KR" altLang="en-US"/>
+            </a:p>
+          </p:txBody>
+        </p:sp>
+        <p:sp>
+          <p:nvSpPr>
+            <p:cNvPr id="24" name="직사각형 23">
+              <a:extLst>
+                <a:ext uri="{FF2B5EF4-FFF2-40B4-BE49-F238E27FC236}">
+                  <a16:creationId xmlns:a16="http://schemas.microsoft.com/office/drawing/2014/main" id="{DADE4C21-A2C1-2EE0-CF60-67ECDA9C0091}"/>
+                </a:ext>
+              </a:extLst>
+            </p:cNvPr>
+            <p:cNvSpPr>
+              <a:spLocks noChangeAspect="1"/>
+            </p:cNvSpPr>
+            <p:nvPr/>
+          </p:nvSpPr>
+          <p:spPr>
+            <a:xfrm>
+              <a:off x="9303255" y="2359638"/>
+              <a:ext cx="154318" cy="813521"/>
+            </a:xfrm>
+            <a:prstGeom prst="rect">
+              <a:avLst/>
+            </a:prstGeom>
+            <a:solidFill>
+              <a:schemeClr val="bg1">
+                <a:lumMod val="50000"/>
+              </a:schemeClr>
+            </a:solidFill>
+            <a:ln>
+              <a:solidFill>
+                <a:schemeClr val="bg1">
+                  <a:lumMod val="50000"/>
+                </a:schemeClr>
+              </a:solidFill>
+            </a:ln>
+          </p:spPr>
+          <p:style>
+            <a:lnRef idx="2">
+              <a:schemeClr val="accent1">
+                <a:shade val="50000"/>
+              </a:schemeClr>
+            </a:lnRef>
+            <a:fillRef idx="1">
+              <a:schemeClr val="accent1"/>
+            </a:fillRef>
+            <a:effectRef idx="0">
+              <a:schemeClr val="accent1"/>
+            </a:effectRef>
+            <a:fontRef idx="minor">
+              <a:schemeClr val="lt1"/>
+            </a:fontRef>
+          </p:style>
+          <p:txBody>
+            <a:bodyPr rtlCol="0" anchor="ctr"/>
+            <a:lstStyle/>
+            <a:p>
+              <a:pPr algn="ctr"/>
+              <a:endParaRPr lang="ko-KR" altLang="en-US" dirty="0"/>
+            </a:p>
+          </p:txBody>
+        </p:sp>
+      </p:grpSp>
+      <p:sp>
+        <p:nvSpPr>
+          <p:cNvPr id="29" name="십자형 28">
+            <a:extLst>
+              <a:ext uri="{FF2B5EF4-FFF2-40B4-BE49-F238E27FC236}">
+                <a16:creationId xmlns:a16="http://schemas.microsoft.com/office/drawing/2014/main" id="{4E9B9678-16B6-08BC-DAD7-C56FBD2AD56C}"/>
+              </a:ext>
+            </a:extLst>
+          </p:cNvPr>
+          <p:cNvSpPr>
+            <a:spLocks noChangeAspect="1"/>
+          </p:cNvSpPr>
+          <p:nvPr/>
+        </p:nvSpPr>
+        <p:spPr>
+          <a:xfrm>
+            <a:off x="5312733" y="606633"/>
+            <a:ext cx="307075" cy="307075"/>
+          </a:xfrm>
+          <a:prstGeom prst="plus">
+            <a:avLst>
+              <a:gd name="adj" fmla="val 35081"/>
+            </a:avLst>
+          </a:prstGeom>
+          <a:solidFill>
+            <a:schemeClr val="bg1"/>
+          </a:solidFill>
+          <a:ln>
+            <a:solidFill>
+              <a:schemeClr val="bg1"/>
+            </a:solidFill>
+          </a:ln>
+        </p:spPr>
+        <p:style>
+          <a:lnRef idx="2">
+            <a:schemeClr val="accent1">
+              <a:shade val="50000"/>
+            </a:schemeClr>
+          </a:lnRef>
+          <a:fillRef idx="1">
+            <a:schemeClr val="accent1"/>
+          </a:fillRef>
+          <a:effectRef idx="0">
+            <a:schemeClr val="accent1"/>
+          </a:effectRef>
+          <a:fontRef idx="minor">
+            <a:schemeClr val="lt1"/>
+          </a:fontRef>
+        </p:style>
+        <p:txBody>
+          <a:bodyPr rtlCol="0" anchor="ctr"/>
+          <a:lstStyle/>
+          <a:p>
+            <a:pPr algn="ctr"/>
+            <a:endParaRPr lang="ko-KR" altLang="en-US"/>
+          </a:p>
+        </p:txBody>
+      </p:sp>
+      <p:sp>
+        <p:nvSpPr>
+          <p:cNvPr id="30" name="직사각형 29">
+            <a:extLst>
+              <a:ext uri="{FF2B5EF4-FFF2-40B4-BE49-F238E27FC236}">
+                <a16:creationId xmlns:a16="http://schemas.microsoft.com/office/drawing/2014/main" id="{9703B63A-F9AA-68B7-5532-CE2AAA31D8EE}"/>
+              </a:ext>
+            </a:extLst>
+          </p:cNvPr>
+          <p:cNvSpPr/>
+          <p:nvPr/>
+        </p:nvSpPr>
+        <p:spPr>
+          <a:xfrm>
+            <a:off x="5294783" y="2595957"/>
+            <a:ext cx="342973" cy="100843"/>
+          </a:xfrm>
+          <a:prstGeom prst="rect">
+            <a:avLst/>
+          </a:prstGeom>
+          <a:solidFill>
+            <a:schemeClr val="bg1"/>
+          </a:solidFill>
+          <a:ln>
+            <a:solidFill>
+              <a:schemeClr val="bg1"/>
+            </a:solidFill>
+          </a:ln>
+        </p:spPr>
+        <p:style>
+          <a:lnRef idx="2">
+            <a:schemeClr val="accent1">
+              <a:shade val="50000"/>
+            </a:schemeClr>
+          </a:lnRef>
+          <a:fillRef idx="1">
+            <a:schemeClr val="accent1"/>
+          </a:fillRef>
+          <a:effectRef idx="0">
+            <a:schemeClr val="accent1"/>
+          </a:effectRef>
+          <a:fontRef idx="minor">
+            <a:schemeClr val="lt1"/>
+          </a:fontRef>
+        </p:style>
+        <p:txBody>
+          <a:bodyPr rtlCol="0" anchor="ctr"/>
+          <a:lstStyle/>
+          <a:p>
+            <a:pPr algn="ctr"/>
+            <a:endParaRPr lang="ko-KR" altLang="en-US"/>
+          </a:p>
+        </p:txBody>
+      </p:sp>
+      <p:grpSp>
+        <p:nvGrpSpPr>
+          <p:cNvPr id="31" name="그룹 30">
+            <a:extLst>
+              <a:ext uri="{FF2B5EF4-FFF2-40B4-BE49-F238E27FC236}">
+                <a16:creationId xmlns:a16="http://schemas.microsoft.com/office/drawing/2014/main" id="{0CE86465-6D6A-F07C-6540-9894B53C0A21}"/>
+              </a:ext>
+            </a:extLst>
+          </p:cNvPr>
+          <p:cNvGrpSpPr/>
+          <p:nvPr/>
+        </p:nvGrpSpPr>
+        <p:grpSpPr>
+          <a:xfrm>
+            <a:off x="7585435" y="202326"/>
+            <a:ext cx="2916237" cy="2916236"/>
+            <a:chOff x="6981882" y="1273228"/>
+            <a:chExt cx="2916237" cy="2916236"/>
+          </a:xfrm>
+        </p:grpSpPr>
+        <p:sp>
+          <p:nvSpPr>
+            <p:cNvPr id="32" name="타원 31">
+              <a:extLst>
+                <a:ext uri="{FF2B5EF4-FFF2-40B4-BE49-F238E27FC236}">
+                  <a16:creationId xmlns:a16="http://schemas.microsoft.com/office/drawing/2014/main" id="{EA127E66-C152-3A8C-389C-7486F821D0EB}"/>
+                </a:ext>
+              </a:extLst>
+            </p:cNvPr>
+            <p:cNvSpPr>
+              <a:spLocks noChangeAspect="1"/>
+            </p:cNvSpPr>
+            <p:nvPr/>
+          </p:nvSpPr>
+          <p:spPr>
+            <a:xfrm>
+              <a:off x="6981882" y="1273228"/>
+              <a:ext cx="2916237" cy="2916236"/>
+            </a:xfrm>
+            <a:prstGeom prst="ellipse">
+              <a:avLst/>
+            </a:prstGeom>
+            <a:gradFill flip="none" rotWithShape="1">
+              <a:gsLst>
+                <a:gs pos="97000">
+                  <a:schemeClr val="bg2">
+                    <a:lumMod val="25000"/>
+                  </a:schemeClr>
+                </a:gs>
+                <a:gs pos="100000">
+                  <a:schemeClr val="bg2">
+                    <a:lumMod val="25000"/>
+                  </a:schemeClr>
+                </a:gs>
+              </a:gsLst>
+              <a:path path="rect">
+                <a:fillToRect l="50000" t="50000" r="50000" b="50000"/>
+              </a:path>
+              <a:tileRect/>
+            </a:gradFill>
+            <a:ln>
+              <a:noFill/>
+            </a:ln>
+            <a:effectLst>
+              <a:outerShdw blurRad="63500" sx="102000" sy="102000" algn="ctr" rotWithShape="0">
+                <a:prstClr val="black">
+                  <a:alpha val="40000"/>
+                </a:prstClr>
+              </a:outerShdw>
+            </a:effectLst>
+            <a:scene3d>
+              <a:camera prst="orthographicFront">
+                <a:rot lat="0" lon="0" rev="0"/>
+              </a:camera>
+              <a:lightRig rig="soft" dir="t">
+                <a:rot lat="0" lon="0" rev="0"/>
+              </a:lightRig>
+            </a:scene3d>
+            <a:sp3d prstMaterial="matte">
+              <a:bevelT w="355600" h="63500" prst="cross"/>
+              <a:contourClr>
+                <a:schemeClr val="bg2">
+                  <a:lumMod val="25000"/>
+                </a:schemeClr>
+              </a:contourClr>
+            </a:sp3d>
+          </p:spPr>
+          <p:style>
+            <a:lnRef idx="2">
+              <a:schemeClr val="accent1">
+                <a:shade val="50000"/>
+              </a:schemeClr>
+            </a:lnRef>
+            <a:fillRef idx="1">
+              <a:schemeClr val="accent1"/>
+            </a:fillRef>
+            <a:effectRef idx="0">
+              <a:schemeClr val="accent1"/>
+            </a:effectRef>
+            <a:fontRef idx="minor">
+              <a:schemeClr val="lt1"/>
+            </a:fontRef>
+          </p:style>
+          <p:txBody>
+            <a:bodyPr rtlCol="0" anchor="ctr"/>
+            <a:lstStyle/>
+            <a:p>
+              <a:pPr algn="ctr"/>
+              <a:endParaRPr lang="ko-KR" altLang="en-US" dirty="0"/>
+            </a:p>
+          </p:txBody>
+        </p:sp>
+        <p:grpSp>
+          <p:nvGrpSpPr>
+            <p:cNvPr id="33" name="그룹 32">
+              <a:extLst>
+                <a:ext uri="{FF2B5EF4-FFF2-40B4-BE49-F238E27FC236}">
+                  <a16:creationId xmlns:a16="http://schemas.microsoft.com/office/drawing/2014/main" id="{827173E2-9D1D-504C-5498-B1E92FF193B5}"/>
+                </a:ext>
+              </a:extLst>
+            </p:cNvPr>
+            <p:cNvGrpSpPr>
+              <a:grpSpLocks noChangeAspect="1"/>
+            </p:cNvGrpSpPr>
+            <p:nvPr/>
+          </p:nvGrpSpPr>
+          <p:grpSpPr>
+            <a:xfrm>
+              <a:off x="7422427" y="2282694"/>
+              <a:ext cx="897304" cy="897303"/>
+              <a:chOff x="7234891" y="530398"/>
+              <a:chExt cx="2865850" cy="2870409"/>
+            </a:xfrm>
+            <a:solidFill>
+              <a:schemeClr val="bg1"/>
+            </a:solidFill>
+          </p:grpSpPr>
+          <p:sp>
+            <p:nvSpPr>
+              <p:cNvPr id="39" name="현 38">
+                <a:extLst>
+                  <a:ext uri="{FF2B5EF4-FFF2-40B4-BE49-F238E27FC236}">
+                    <a16:creationId xmlns:a16="http://schemas.microsoft.com/office/drawing/2014/main" id="{44244104-4D73-3D42-6C2B-34E250E14664}"/>
+                  </a:ext>
+                </a:extLst>
+              </p:cNvPr>
+              <p:cNvSpPr/>
+              <p:nvPr/>
+            </p:nvSpPr>
+            <p:spPr>
+              <a:xfrm>
+                <a:off x="7954891" y="1960807"/>
+                <a:ext cx="1440000" cy="1440000"/>
+              </a:xfrm>
+              <a:prstGeom prst="chord">
+                <a:avLst>
+                  <a:gd name="adj1" fmla="val 5367685"/>
+                  <a:gd name="adj2" fmla="val 16200000"/>
+                </a:avLst>
+              </a:prstGeom>
+              <a:grpFill/>
+              <a:ln>
+                <a:solidFill>
+                  <a:schemeClr val="bg1"/>
+                </a:solidFill>
+              </a:ln>
+            </p:spPr>
+            <p:style>
+              <a:lnRef idx="2">
+                <a:schemeClr val="accent1">
+                  <a:shade val="50000"/>
+                </a:schemeClr>
+              </a:lnRef>
+              <a:fillRef idx="1">
+                <a:schemeClr val="accent1"/>
+              </a:fillRef>
+              <a:effectRef idx="0">
+                <a:schemeClr val="accent1"/>
+              </a:effectRef>
+              <a:fontRef idx="minor">
+                <a:schemeClr val="lt1"/>
+              </a:fontRef>
+            </p:style>
+            <p:txBody>
+              <a:bodyPr rtlCol="0" anchor="ctr"/>
+              <a:lstStyle/>
+              <a:p>
+                <a:pPr algn="ctr"/>
+                <a:endParaRPr lang="ko-KR" altLang="en-US"/>
+              </a:p>
+            </p:txBody>
+          </p:sp>
+          <p:sp>
+            <p:nvSpPr>
+              <p:cNvPr id="40" name="현 39">
+                <a:extLst>
+                  <a:ext uri="{FF2B5EF4-FFF2-40B4-BE49-F238E27FC236}">
+                    <a16:creationId xmlns:a16="http://schemas.microsoft.com/office/drawing/2014/main" id="{2A8BA3FB-2218-CAB9-E6D5-7DA69D8884DE}"/>
+                  </a:ext>
+                </a:extLst>
+              </p:cNvPr>
+              <p:cNvSpPr/>
+              <p:nvPr/>
+            </p:nvSpPr>
+            <p:spPr>
+              <a:xfrm rot="16200000">
+                <a:off x="8660741" y="1244071"/>
+                <a:ext cx="1440000" cy="1440000"/>
+              </a:xfrm>
+              <a:prstGeom prst="chord">
+                <a:avLst>
+                  <a:gd name="adj1" fmla="val 5367685"/>
+                  <a:gd name="adj2" fmla="val 16200000"/>
+                </a:avLst>
+              </a:prstGeom>
+              <a:grpFill/>
+              <a:ln>
+                <a:solidFill>
+                  <a:schemeClr val="bg1"/>
+                </a:solidFill>
+              </a:ln>
+            </p:spPr>
+            <p:style>
+              <a:lnRef idx="2">
+                <a:schemeClr val="accent1">
+                  <a:shade val="50000"/>
+                </a:schemeClr>
+              </a:lnRef>
+              <a:fillRef idx="1">
+                <a:schemeClr val="accent1"/>
+              </a:fillRef>
+              <a:effectRef idx="0">
+                <a:schemeClr val="accent1"/>
+              </a:effectRef>
+              <a:fontRef idx="minor">
+                <a:schemeClr val="lt1"/>
+              </a:fontRef>
+            </p:style>
+            <p:txBody>
+              <a:bodyPr rtlCol="0" anchor="ctr"/>
+              <a:lstStyle/>
+              <a:p>
+                <a:pPr algn="ctr"/>
+                <a:endParaRPr lang="ko-KR" altLang="en-US"/>
+              </a:p>
+            </p:txBody>
+          </p:sp>
+          <p:sp>
+            <p:nvSpPr>
+              <p:cNvPr id="41" name="현 40">
+                <a:extLst>
+                  <a:ext uri="{FF2B5EF4-FFF2-40B4-BE49-F238E27FC236}">
+                    <a16:creationId xmlns:a16="http://schemas.microsoft.com/office/drawing/2014/main" id="{381EACD0-FB5E-BE10-BCA4-20C906D17E58}"/>
+                  </a:ext>
+                </a:extLst>
+              </p:cNvPr>
+              <p:cNvSpPr/>
+              <p:nvPr/>
+            </p:nvSpPr>
+            <p:spPr>
+              <a:xfrm rot="10800000">
+                <a:off x="7939135" y="530398"/>
+                <a:ext cx="1440000" cy="1440000"/>
+              </a:xfrm>
+              <a:prstGeom prst="chord">
+                <a:avLst>
+                  <a:gd name="adj1" fmla="val 5367685"/>
+                  <a:gd name="adj2" fmla="val 16200000"/>
+                </a:avLst>
+              </a:prstGeom>
+              <a:grpFill/>
+              <a:ln>
+                <a:solidFill>
+                  <a:schemeClr val="bg1"/>
+                </a:solidFill>
+              </a:ln>
+            </p:spPr>
+            <p:style>
+              <a:lnRef idx="2">
+                <a:schemeClr val="accent1">
+                  <a:shade val="50000"/>
+                </a:schemeClr>
+              </a:lnRef>
+              <a:fillRef idx="1">
+                <a:schemeClr val="accent1"/>
+              </a:fillRef>
+              <a:effectRef idx="0">
+                <a:schemeClr val="accent1"/>
+              </a:effectRef>
+              <a:fontRef idx="minor">
+                <a:schemeClr val="lt1"/>
+              </a:fontRef>
+            </p:style>
+            <p:txBody>
+              <a:bodyPr rtlCol="0" anchor="ctr"/>
+              <a:lstStyle/>
+              <a:p>
+                <a:pPr algn="ctr"/>
+                <a:endParaRPr lang="ko-KR" altLang="en-US"/>
+              </a:p>
+            </p:txBody>
+          </p:sp>
+          <p:sp>
+            <p:nvSpPr>
+              <p:cNvPr id="42" name="현 41">
+                <a:extLst>
+                  <a:ext uri="{FF2B5EF4-FFF2-40B4-BE49-F238E27FC236}">
+                    <a16:creationId xmlns:a16="http://schemas.microsoft.com/office/drawing/2014/main" id="{270B9CB1-3439-85EB-313C-111561C7F09B}"/>
+                  </a:ext>
+                </a:extLst>
+              </p:cNvPr>
+              <p:cNvSpPr/>
+              <p:nvPr/>
+            </p:nvSpPr>
+            <p:spPr>
+              <a:xfrm rot="5400000">
+                <a:off x="7216542" y="1256047"/>
+                <a:ext cx="1476698" cy="1440000"/>
+              </a:xfrm>
+              <a:prstGeom prst="chord">
+                <a:avLst>
+                  <a:gd name="adj1" fmla="val 5367685"/>
+                  <a:gd name="adj2" fmla="val 16200000"/>
+                </a:avLst>
+              </a:prstGeom>
+              <a:grpFill/>
+              <a:ln>
+                <a:solidFill>
+                  <a:schemeClr val="bg1"/>
+                </a:solidFill>
+              </a:ln>
+            </p:spPr>
+            <p:style>
+              <a:lnRef idx="2">
+                <a:schemeClr val="accent1">
+                  <a:shade val="50000"/>
+                </a:schemeClr>
+              </a:lnRef>
+              <a:fillRef idx="1">
+                <a:schemeClr val="accent1"/>
+              </a:fillRef>
+              <a:effectRef idx="0">
+                <a:schemeClr val="accent1"/>
+              </a:effectRef>
+              <a:fontRef idx="minor">
+                <a:schemeClr val="lt1"/>
+              </a:fontRef>
+            </p:style>
+            <p:txBody>
+              <a:bodyPr rtlCol="0" anchor="ctr"/>
+              <a:lstStyle/>
+              <a:p>
+                <a:pPr algn="ctr"/>
+                <a:endParaRPr lang="ko-KR" altLang="en-US"/>
+              </a:p>
+            </p:txBody>
+          </p:sp>
+        </p:grpSp>
+        <p:sp>
+          <p:nvSpPr>
+            <p:cNvPr id="34" name="직사각형 33">
+              <a:extLst>
+                <a:ext uri="{FF2B5EF4-FFF2-40B4-BE49-F238E27FC236}">
+                  <a16:creationId xmlns:a16="http://schemas.microsoft.com/office/drawing/2014/main" id="{8340048C-23EB-9694-3E6B-88CF9382B7CF}"/>
+                </a:ext>
+              </a:extLst>
+            </p:cNvPr>
+            <p:cNvSpPr>
+              <a:spLocks noChangeAspect="1"/>
+            </p:cNvSpPr>
+            <p:nvPr/>
+          </p:nvSpPr>
+          <p:spPr>
+            <a:xfrm>
+              <a:off x="8419241" y="2913597"/>
+              <a:ext cx="154318" cy="259561"/>
+            </a:xfrm>
+            <a:prstGeom prst="rect">
+              <a:avLst/>
+            </a:prstGeom>
+            <a:solidFill>
+              <a:schemeClr val="bg1"/>
+            </a:solidFill>
+            <a:ln>
+              <a:solidFill>
+                <a:schemeClr val="bg1"/>
+              </a:solidFill>
+            </a:ln>
+          </p:spPr>
+          <p:style>
+            <a:lnRef idx="2">
+              <a:schemeClr val="accent1">
+                <a:shade val="50000"/>
+              </a:schemeClr>
+            </a:lnRef>
+            <a:fillRef idx="1">
+              <a:schemeClr val="accent1"/>
+            </a:fillRef>
+            <a:effectRef idx="0">
+              <a:schemeClr val="accent1"/>
+            </a:effectRef>
+            <a:fontRef idx="minor">
+              <a:schemeClr val="lt1"/>
+            </a:fontRef>
+          </p:style>
+          <p:txBody>
+            <a:bodyPr rtlCol="0" anchor="ctr"/>
+            <a:lstStyle/>
+            <a:p>
+              <a:pPr algn="ctr"/>
+              <a:endParaRPr lang="ko-KR" altLang="en-US"/>
+            </a:p>
+          </p:txBody>
+        </p:sp>
+        <p:sp>
+          <p:nvSpPr>
+            <p:cNvPr id="35" name="직사각형 34">
+              <a:extLst>
+                <a:ext uri="{FF2B5EF4-FFF2-40B4-BE49-F238E27FC236}">
+                  <a16:creationId xmlns:a16="http://schemas.microsoft.com/office/drawing/2014/main" id="{BA8A85F0-DCEB-3E08-B5F3-E463FC9CA566}"/>
+                </a:ext>
+              </a:extLst>
+            </p:cNvPr>
+            <p:cNvSpPr>
+              <a:spLocks noChangeAspect="1"/>
+            </p:cNvSpPr>
+            <p:nvPr/>
+          </p:nvSpPr>
+          <p:spPr>
+            <a:xfrm>
+              <a:off x="8640244" y="2794891"/>
+              <a:ext cx="154318" cy="378266"/>
+            </a:xfrm>
+            <a:prstGeom prst="rect">
+              <a:avLst/>
+            </a:prstGeom>
+            <a:solidFill>
+              <a:schemeClr val="bg1"/>
+            </a:solidFill>
+            <a:ln>
+              <a:solidFill>
+                <a:schemeClr val="bg1"/>
+              </a:solidFill>
+            </a:ln>
+          </p:spPr>
+          <p:style>
+            <a:lnRef idx="2">
+              <a:schemeClr val="accent1">
+                <a:shade val="50000"/>
+              </a:schemeClr>
+            </a:lnRef>
+            <a:fillRef idx="1">
+              <a:schemeClr val="accent1"/>
+            </a:fillRef>
+            <a:effectRef idx="0">
+              <a:schemeClr val="accent1"/>
+            </a:effectRef>
+            <a:fontRef idx="minor">
+              <a:schemeClr val="lt1"/>
+            </a:fontRef>
+          </p:style>
+          <p:txBody>
+            <a:bodyPr rtlCol="0" anchor="ctr"/>
+            <a:lstStyle/>
+            <a:p>
+              <a:pPr algn="ctr"/>
+              <a:endParaRPr lang="ko-KR" altLang="en-US"/>
+            </a:p>
+          </p:txBody>
+        </p:sp>
+        <p:sp>
+          <p:nvSpPr>
+            <p:cNvPr id="36" name="직사각형 35">
+              <a:extLst>
+                <a:ext uri="{FF2B5EF4-FFF2-40B4-BE49-F238E27FC236}">
+                  <a16:creationId xmlns:a16="http://schemas.microsoft.com/office/drawing/2014/main" id="{E1301B7F-CF88-B510-22E0-557B6FF2DF29}"/>
+                </a:ext>
+              </a:extLst>
+            </p:cNvPr>
+            <p:cNvSpPr>
+              <a:spLocks noChangeAspect="1"/>
+            </p:cNvSpPr>
+            <p:nvPr/>
+          </p:nvSpPr>
+          <p:spPr>
+            <a:xfrm>
+              <a:off x="8861249" y="2648487"/>
+              <a:ext cx="154318" cy="524670"/>
+            </a:xfrm>
+            <a:prstGeom prst="rect">
+              <a:avLst/>
+            </a:prstGeom>
+            <a:solidFill>
+              <a:schemeClr val="bg1"/>
+            </a:solidFill>
+            <a:ln>
+              <a:solidFill>
+                <a:schemeClr val="bg1"/>
+              </a:solidFill>
+            </a:ln>
+          </p:spPr>
+          <p:style>
+            <a:lnRef idx="2">
+              <a:schemeClr val="accent1">
+                <a:shade val="50000"/>
+              </a:schemeClr>
+            </a:lnRef>
+            <a:fillRef idx="1">
+              <a:schemeClr val="accent1"/>
+            </a:fillRef>
+            <a:effectRef idx="0">
+              <a:schemeClr val="accent1"/>
+            </a:effectRef>
+            <a:fontRef idx="minor">
+              <a:schemeClr val="lt1"/>
+            </a:fontRef>
+          </p:style>
+          <p:txBody>
+            <a:bodyPr rtlCol="0" anchor="ctr"/>
+            <a:lstStyle/>
+            <a:p>
+              <a:pPr algn="ctr"/>
+              <a:endParaRPr lang="ko-KR" altLang="en-US"/>
+            </a:p>
+          </p:txBody>
+        </p:sp>
+        <p:sp>
+          <p:nvSpPr>
+            <p:cNvPr id="37" name="직사각형 36">
+              <a:extLst>
+                <a:ext uri="{FF2B5EF4-FFF2-40B4-BE49-F238E27FC236}">
+                  <a16:creationId xmlns:a16="http://schemas.microsoft.com/office/drawing/2014/main" id="{EC435BD7-6BD4-1F74-3408-C3C62B32729E}"/>
+                </a:ext>
+              </a:extLst>
+            </p:cNvPr>
+            <p:cNvSpPr>
+              <a:spLocks noChangeAspect="1"/>
+            </p:cNvSpPr>
+            <p:nvPr/>
+          </p:nvSpPr>
+          <p:spPr>
+            <a:xfrm>
+              <a:off x="9082252" y="2503800"/>
+              <a:ext cx="154318" cy="669359"/>
+            </a:xfrm>
+            <a:prstGeom prst="rect">
+              <a:avLst/>
+            </a:prstGeom>
+            <a:solidFill>
+              <a:schemeClr val="bg1">
+                <a:lumMod val="50000"/>
+              </a:schemeClr>
+            </a:solidFill>
+            <a:ln>
+              <a:solidFill>
+                <a:schemeClr val="bg1">
+                  <a:lumMod val="50000"/>
+                </a:schemeClr>
+              </a:solidFill>
+            </a:ln>
+          </p:spPr>
+          <p:style>
+            <a:lnRef idx="2">
+              <a:schemeClr val="accent1">
+                <a:shade val="50000"/>
+              </a:schemeClr>
+            </a:lnRef>
+            <a:fillRef idx="1">
+              <a:schemeClr val="accent1"/>
+            </a:fillRef>
+            <a:effectRef idx="0">
+              <a:schemeClr val="accent1"/>
+            </a:effectRef>
+            <a:fontRef idx="minor">
+              <a:schemeClr val="lt1"/>
+            </a:fontRef>
+          </p:style>
+          <p:txBody>
+            <a:bodyPr rtlCol="0" anchor="ctr"/>
+            <a:lstStyle/>
+            <a:p>
+              <a:pPr algn="ctr"/>
+              <a:endParaRPr lang="ko-KR" altLang="en-US"/>
+            </a:p>
+          </p:txBody>
+        </p:sp>
+        <p:sp>
+          <p:nvSpPr>
+            <p:cNvPr id="38" name="직사각형 37">
+              <a:extLst>
+                <a:ext uri="{FF2B5EF4-FFF2-40B4-BE49-F238E27FC236}">
+                  <a16:creationId xmlns:a16="http://schemas.microsoft.com/office/drawing/2014/main" id="{94795A5D-5560-FAFC-929D-142332B28017}"/>
+                </a:ext>
+              </a:extLst>
+            </p:cNvPr>
+            <p:cNvSpPr>
+              <a:spLocks noChangeAspect="1"/>
+            </p:cNvSpPr>
+            <p:nvPr/>
+          </p:nvSpPr>
+          <p:spPr>
+            <a:xfrm>
+              <a:off x="9303255" y="2359638"/>
+              <a:ext cx="154318" cy="813521"/>
+            </a:xfrm>
+            <a:prstGeom prst="rect">
+              <a:avLst/>
+            </a:prstGeom>
+            <a:solidFill>
+              <a:schemeClr val="bg1">
+                <a:lumMod val="50000"/>
+              </a:schemeClr>
+            </a:solidFill>
+            <a:ln>
+              <a:solidFill>
+                <a:schemeClr val="bg1">
+                  <a:lumMod val="50000"/>
+                </a:schemeClr>
+              </a:solidFill>
+            </a:ln>
+          </p:spPr>
+          <p:style>
+            <a:lnRef idx="2">
+              <a:schemeClr val="accent1">
+                <a:shade val="50000"/>
+              </a:schemeClr>
+            </a:lnRef>
+            <a:fillRef idx="1">
+              <a:schemeClr val="accent1"/>
+            </a:fillRef>
+            <a:effectRef idx="0">
+              <a:schemeClr val="accent1"/>
+            </a:effectRef>
+            <a:fontRef idx="minor">
+              <a:schemeClr val="lt1"/>
+            </a:fontRef>
+          </p:style>
+          <p:txBody>
+            <a:bodyPr rtlCol="0" anchor="ctr"/>
+            <a:lstStyle/>
+            <a:p>
+              <a:pPr algn="ctr"/>
+              <a:endParaRPr lang="ko-KR" altLang="en-US" dirty="0"/>
+            </a:p>
+          </p:txBody>
+        </p:sp>
+      </p:grpSp>
+      <p:sp>
+        <p:nvSpPr>
+          <p:cNvPr id="43" name="십자형 42">
+            <a:extLst>
+              <a:ext uri="{FF2B5EF4-FFF2-40B4-BE49-F238E27FC236}">
+                <a16:creationId xmlns:a16="http://schemas.microsoft.com/office/drawing/2014/main" id="{23E049FB-1EE8-A5F1-3BE8-1CB336A1258B}"/>
+              </a:ext>
+            </a:extLst>
+          </p:cNvPr>
+          <p:cNvSpPr>
+            <a:spLocks noChangeAspect="1"/>
+          </p:cNvSpPr>
+          <p:nvPr/>
+        </p:nvSpPr>
+        <p:spPr>
+          <a:xfrm>
+            <a:off x="8890015" y="523774"/>
+            <a:ext cx="307075" cy="307075"/>
+          </a:xfrm>
+          <a:prstGeom prst="plus">
+            <a:avLst>
+              <a:gd name="adj" fmla="val 35081"/>
+            </a:avLst>
+          </a:prstGeom>
+          <a:solidFill>
+            <a:schemeClr val="bg1"/>
+          </a:solidFill>
+          <a:ln>
+            <a:solidFill>
+              <a:schemeClr val="bg1"/>
+            </a:solidFill>
+          </a:ln>
+        </p:spPr>
+        <p:style>
+          <a:lnRef idx="2">
+            <a:schemeClr val="accent1">
+              <a:shade val="50000"/>
+            </a:schemeClr>
+          </a:lnRef>
+          <a:fillRef idx="1">
+            <a:schemeClr val="accent1"/>
+          </a:fillRef>
+          <a:effectRef idx="0">
+            <a:schemeClr val="accent1"/>
+          </a:effectRef>
+          <a:fontRef idx="minor">
+            <a:schemeClr val="lt1"/>
+          </a:fontRef>
+        </p:style>
+        <p:txBody>
+          <a:bodyPr rtlCol="0" anchor="ctr"/>
+          <a:lstStyle/>
+          <a:p>
+            <a:pPr algn="ctr"/>
+            <a:endParaRPr lang="ko-KR" altLang="en-US"/>
+          </a:p>
+        </p:txBody>
+      </p:sp>
+      <p:sp>
+        <p:nvSpPr>
+          <p:cNvPr id="44" name="직사각형 43">
+            <a:extLst>
+              <a:ext uri="{FF2B5EF4-FFF2-40B4-BE49-F238E27FC236}">
+                <a16:creationId xmlns:a16="http://schemas.microsoft.com/office/drawing/2014/main" id="{E0403FC1-5136-1660-92D8-443DA78A1D4F}"/>
+              </a:ext>
+            </a:extLst>
+          </p:cNvPr>
+          <p:cNvSpPr/>
+          <p:nvPr/>
+        </p:nvSpPr>
+        <p:spPr>
+          <a:xfrm>
+            <a:off x="8872065" y="2513098"/>
+            <a:ext cx="342973" cy="100843"/>
+          </a:xfrm>
+          <a:prstGeom prst="rect">
+            <a:avLst/>
+          </a:prstGeom>
+          <a:solidFill>
+            <a:schemeClr val="bg1"/>
+          </a:solidFill>
+          <a:ln>
+            <a:solidFill>
+              <a:schemeClr val="bg1"/>
+            </a:solidFill>
+          </a:ln>
+        </p:spPr>
+        <p:style>
+          <a:lnRef idx="2">
+            <a:schemeClr val="accent1">
+              <a:shade val="50000"/>
+            </a:schemeClr>
+          </a:lnRef>
+          <a:fillRef idx="1">
+            <a:schemeClr val="accent1"/>
+          </a:fillRef>
+          <a:effectRef idx="0">
+            <a:schemeClr val="accent1"/>
+          </a:effectRef>
+          <a:fontRef idx="minor">
+            <a:schemeClr val="lt1"/>
+          </a:fontRef>
+        </p:style>
+        <p:txBody>
+          <a:bodyPr rtlCol="0" anchor="ctr"/>
+          <a:lstStyle/>
+          <a:p>
+            <a:pPr algn="ctr"/>
+            <a:endParaRPr lang="ko-KR" altLang="en-US"/>
+          </a:p>
+        </p:txBody>
+      </p:sp>
+      <p:grpSp>
+        <p:nvGrpSpPr>
+          <p:cNvPr id="45" name="그룹 44">
+            <a:extLst>
+              <a:ext uri="{FF2B5EF4-FFF2-40B4-BE49-F238E27FC236}">
+                <a16:creationId xmlns:a16="http://schemas.microsoft.com/office/drawing/2014/main" id="{F64366A4-82EA-837D-E28D-0EF646549DFE}"/>
+              </a:ext>
+            </a:extLst>
+          </p:cNvPr>
+          <p:cNvGrpSpPr/>
+          <p:nvPr/>
+        </p:nvGrpSpPr>
+        <p:grpSpPr>
+          <a:xfrm>
+            <a:off x="529638" y="3676780"/>
+            <a:ext cx="2916237" cy="2916236"/>
+            <a:chOff x="6981882" y="1273228"/>
+            <a:chExt cx="2916237" cy="2916236"/>
+          </a:xfrm>
+        </p:grpSpPr>
+        <p:sp>
+          <p:nvSpPr>
+            <p:cNvPr id="46" name="타원 45">
+              <a:extLst>
+                <a:ext uri="{FF2B5EF4-FFF2-40B4-BE49-F238E27FC236}">
+                  <a16:creationId xmlns:a16="http://schemas.microsoft.com/office/drawing/2014/main" id="{1521836E-0D06-1492-66C9-38518425A5B1}"/>
+                </a:ext>
+              </a:extLst>
+            </p:cNvPr>
+            <p:cNvSpPr>
+              <a:spLocks noChangeAspect="1"/>
+            </p:cNvSpPr>
+            <p:nvPr/>
+          </p:nvSpPr>
+          <p:spPr>
+            <a:xfrm>
+              <a:off x="6981882" y="1273228"/>
+              <a:ext cx="2916237" cy="2916236"/>
+            </a:xfrm>
+            <a:prstGeom prst="ellipse">
+              <a:avLst/>
+            </a:prstGeom>
+            <a:gradFill flip="none" rotWithShape="1">
+              <a:gsLst>
+                <a:gs pos="97000">
+                  <a:schemeClr val="bg2">
+                    <a:lumMod val="25000"/>
+                  </a:schemeClr>
+                </a:gs>
+                <a:gs pos="100000">
+                  <a:schemeClr val="bg2">
+                    <a:lumMod val="25000"/>
+                  </a:schemeClr>
+                </a:gs>
+              </a:gsLst>
+              <a:path path="rect">
+                <a:fillToRect l="50000" t="50000" r="50000" b="50000"/>
+              </a:path>
+              <a:tileRect/>
+            </a:gradFill>
+            <a:ln>
+              <a:noFill/>
+            </a:ln>
+            <a:effectLst>
+              <a:outerShdw blurRad="63500" sx="102000" sy="102000" algn="ctr" rotWithShape="0">
+                <a:prstClr val="black">
+                  <a:alpha val="40000"/>
+                </a:prstClr>
+              </a:outerShdw>
+            </a:effectLst>
+            <a:scene3d>
+              <a:camera prst="orthographicFront">
+                <a:rot lat="0" lon="0" rev="0"/>
+              </a:camera>
+              <a:lightRig rig="soft" dir="t">
+                <a:rot lat="0" lon="0" rev="0"/>
+              </a:lightRig>
+            </a:scene3d>
+            <a:sp3d prstMaterial="matte">
+              <a:bevelT w="355600" h="63500" prst="cross"/>
+              <a:contourClr>
+                <a:schemeClr val="bg2">
+                  <a:lumMod val="25000"/>
+                </a:schemeClr>
+              </a:contourClr>
+            </a:sp3d>
+          </p:spPr>
+          <p:style>
+            <a:lnRef idx="2">
+              <a:schemeClr val="accent1">
+                <a:shade val="50000"/>
+              </a:schemeClr>
+            </a:lnRef>
+            <a:fillRef idx="1">
+              <a:schemeClr val="accent1"/>
+            </a:fillRef>
+            <a:effectRef idx="0">
+              <a:schemeClr val="accent1"/>
+            </a:effectRef>
+            <a:fontRef idx="minor">
+              <a:schemeClr val="lt1"/>
+            </a:fontRef>
+          </p:style>
+          <p:txBody>
+            <a:bodyPr rtlCol="0" anchor="ctr"/>
+            <a:lstStyle/>
+            <a:p>
+              <a:pPr algn="ctr"/>
+              <a:endParaRPr lang="ko-KR" altLang="en-US" dirty="0"/>
+            </a:p>
+          </p:txBody>
+        </p:sp>
+        <p:grpSp>
+          <p:nvGrpSpPr>
+            <p:cNvPr id="47" name="그룹 46">
+              <a:extLst>
+                <a:ext uri="{FF2B5EF4-FFF2-40B4-BE49-F238E27FC236}">
+                  <a16:creationId xmlns:a16="http://schemas.microsoft.com/office/drawing/2014/main" id="{3141F59C-1B23-EE0E-B8B7-85EA530EB89C}"/>
+                </a:ext>
+              </a:extLst>
+            </p:cNvPr>
+            <p:cNvGrpSpPr>
+              <a:grpSpLocks noChangeAspect="1"/>
+            </p:cNvGrpSpPr>
+            <p:nvPr/>
+          </p:nvGrpSpPr>
+          <p:grpSpPr>
+            <a:xfrm>
+              <a:off x="7422427" y="2282694"/>
+              <a:ext cx="897304" cy="897303"/>
+              <a:chOff x="7234891" y="530398"/>
+              <a:chExt cx="2865850" cy="2870409"/>
+            </a:xfrm>
+            <a:solidFill>
+              <a:schemeClr val="bg1"/>
+            </a:solidFill>
+          </p:grpSpPr>
+          <p:sp>
+            <p:nvSpPr>
+              <p:cNvPr id="53" name="현 52">
+                <a:extLst>
+                  <a:ext uri="{FF2B5EF4-FFF2-40B4-BE49-F238E27FC236}">
+                    <a16:creationId xmlns:a16="http://schemas.microsoft.com/office/drawing/2014/main" id="{B62DC62F-07E6-0905-92D1-C35F9E00FFA7}"/>
+                  </a:ext>
+                </a:extLst>
+              </p:cNvPr>
+              <p:cNvSpPr/>
+              <p:nvPr/>
+            </p:nvSpPr>
+            <p:spPr>
+              <a:xfrm>
+                <a:off x="7954891" y="1960807"/>
+                <a:ext cx="1440000" cy="1440000"/>
+              </a:xfrm>
+              <a:prstGeom prst="chord">
+                <a:avLst>
+                  <a:gd name="adj1" fmla="val 5367685"/>
+                  <a:gd name="adj2" fmla="val 16200000"/>
+                </a:avLst>
+              </a:prstGeom>
+              <a:grpFill/>
+              <a:ln>
+                <a:solidFill>
+                  <a:schemeClr val="bg1"/>
+                </a:solidFill>
+              </a:ln>
+            </p:spPr>
+            <p:style>
+              <a:lnRef idx="2">
+                <a:schemeClr val="accent1">
+                  <a:shade val="50000"/>
+                </a:schemeClr>
+              </a:lnRef>
+              <a:fillRef idx="1">
+                <a:schemeClr val="accent1"/>
+              </a:fillRef>
+              <a:effectRef idx="0">
+                <a:schemeClr val="accent1"/>
+              </a:effectRef>
+              <a:fontRef idx="minor">
+                <a:schemeClr val="lt1"/>
+              </a:fontRef>
+            </p:style>
+            <p:txBody>
+              <a:bodyPr rtlCol="0" anchor="ctr"/>
+              <a:lstStyle/>
+              <a:p>
+                <a:pPr algn="ctr"/>
+                <a:endParaRPr lang="ko-KR" altLang="en-US"/>
+              </a:p>
+            </p:txBody>
+          </p:sp>
+          <p:sp>
+            <p:nvSpPr>
+              <p:cNvPr id="54" name="현 53">
+                <a:extLst>
+                  <a:ext uri="{FF2B5EF4-FFF2-40B4-BE49-F238E27FC236}">
+                    <a16:creationId xmlns:a16="http://schemas.microsoft.com/office/drawing/2014/main" id="{5EF444C4-6AEF-13E2-4FBC-CF87653AD462}"/>
+                  </a:ext>
+                </a:extLst>
+              </p:cNvPr>
+              <p:cNvSpPr/>
+              <p:nvPr/>
+            </p:nvSpPr>
+            <p:spPr>
+              <a:xfrm rot="16200000">
+                <a:off x="8660741" y="1244071"/>
+                <a:ext cx="1440000" cy="1440000"/>
+              </a:xfrm>
+              <a:prstGeom prst="chord">
+                <a:avLst>
+                  <a:gd name="adj1" fmla="val 5367685"/>
+                  <a:gd name="adj2" fmla="val 16200000"/>
+                </a:avLst>
+              </a:prstGeom>
+              <a:grpFill/>
+              <a:ln>
+                <a:solidFill>
+                  <a:schemeClr val="bg1"/>
+                </a:solidFill>
+              </a:ln>
+            </p:spPr>
+            <p:style>
+              <a:lnRef idx="2">
+                <a:schemeClr val="accent1">
+                  <a:shade val="50000"/>
+                </a:schemeClr>
+              </a:lnRef>
+              <a:fillRef idx="1">
+                <a:schemeClr val="accent1"/>
+              </a:fillRef>
+              <a:effectRef idx="0">
+                <a:schemeClr val="accent1"/>
+              </a:effectRef>
+              <a:fontRef idx="minor">
+                <a:schemeClr val="lt1"/>
+              </a:fontRef>
+            </p:style>
+            <p:txBody>
+              <a:bodyPr rtlCol="0" anchor="ctr"/>
+              <a:lstStyle/>
+              <a:p>
+                <a:pPr algn="ctr"/>
+                <a:endParaRPr lang="ko-KR" altLang="en-US"/>
+              </a:p>
+            </p:txBody>
+          </p:sp>
+          <p:sp>
+            <p:nvSpPr>
+              <p:cNvPr id="55" name="현 54">
+                <a:extLst>
+                  <a:ext uri="{FF2B5EF4-FFF2-40B4-BE49-F238E27FC236}">
+                    <a16:creationId xmlns:a16="http://schemas.microsoft.com/office/drawing/2014/main" id="{80A8C1DA-F120-78CA-17CB-61A8A41B7522}"/>
+                  </a:ext>
+                </a:extLst>
+              </p:cNvPr>
+              <p:cNvSpPr/>
+              <p:nvPr/>
+            </p:nvSpPr>
+            <p:spPr>
+              <a:xfrm rot="10800000">
+                <a:off x="7939135" y="530398"/>
+                <a:ext cx="1440000" cy="1440000"/>
+              </a:xfrm>
+              <a:prstGeom prst="chord">
+                <a:avLst>
+                  <a:gd name="adj1" fmla="val 5367685"/>
+                  <a:gd name="adj2" fmla="val 16200000"/>
+                </a:avLst>
+              </a:prstGeom>
+              <a:grpFill/>
+              <a:ln>
+                <a:solidFill>
+                  <a:schemeClr val="bg1"/>
+                </a:solidFill>
+              </a:ln>
+            </p:spPr>
+            <p:style>
+              <a:lnRef idx="2">
+                <a:schemeClr val="accent1">
+                  <a:shade val="50000"/>
+                </a:schemeClr>
+              </a:lnRef>
+              <a:fillRef idx="1">
+                <a:schemeClr val="accent1"/>
+              </a:fillRef>
+              <a:effectRef idx="0">
+                <a:schemeClr val="accent1"/>
+              </a:effectRef>
+              <a:fontRef idx="minor">
+                <a:schemeClr val="lt1"/>
+              </a:fontRef>
+            </p:style>
+            <p:txBody>
+              <a:bodyPr rtlCol="0" anchor="ctr"/>
+              <a:lstStyle/>
+              <a:p>
+                <a:pPr algn="ctr"/>
+                <a:endParaRPr lang="ko-KR" altLang="en-US"/>
+              </a:p>
+            </p:txBody>
+          </p:sp>
+          <p:sp>
+            <p:nvSpPr>
+              <p:cNvPr id="56" name="현 55">
+                <a:extLst>
+                  <a:ext uri="{FF2B5EF4-FFF2-40B4-BE49-F238E27FC236}">
+                    <a16:creationId xmlns:a16="http://schemas.microsoft.com/office/drawing/2014/main" id="{49F71AD5-EEF8-6823-7169-43C83E16A99B}"/>
+                  </a:ext>
+                </a:extLst>
+              </p:cNvPr>
+              <p:cNvSpPr/>
+              <p:nvPr/>
+            </p:nvSpPr>
+            <p:spPr>
+              <a:xfrm rot="5400000">
+                <a:off x="7216542" y="1256047"/>
+                <a:ext cx="1476698" cy="1440000"/>
+              </a:xfrm>
+              <a:prstGeom prst="chord">
+                <a:avLst>
+                  <a:gd name="adj1" fmla="val 5367685"/>
+                  <a:gd name="adj2" fmla="val 16200000"/>
+                </a:avLst>
+              </a:prstGeom>
+              <a:grpFill/>
+              <a:ln>
+                <a:solidFill>
+                  <a:schemeClr val="bg1"/>
+                </a:solidFill>
+              </a:ln>
+            </p:spPr>
+            <p:style>
+              <a:lnRef idx="2">
+                <a:schemeClr val="accent1">
+                  <a:shade val="50000"/>
+                </a:schemeClr>
+              </a:lnRef>
+              <a:fillRef idx="1">
+                <a:schemeClr val="accent1"/>
+              </a:fillRef>
+              <a:effectRef idx="0">
+                <a:schemeClr val="accent1"/>
+              </a:effectRef>
+              <a:fontRef idx="minor">
+                <a:schemeClr val="lt1"/>
+              </a:fontRef>
+            </p:style>
+            <p:txBody>
+              <a:bodyPr rtlCol="0" anchor="ctr"/>
+              <a:lstStyle/>
+              <a:p>
+                <a:pPr algn="ctr"/>
+                <a:endParaRPr lang="ko-KR" altLang="en-US"/>
+              </a:p>
+            </p:txBody>
+          </p:sp>
+        </p:grpSp>
+        <p:sp>
+          <p:nvSpPr>
+            <p:cNvPr id="48" name="직사각형 47">
+              <a:extLst>
+                <a:ext uri="{FF2B5EF4-FFF2-40B4-BE49-F238E27FC236}">
+                  <a16:creationId xmlns:a16="http://schemas.microsoft.com/office/drawing/2014/main" id="{E73C425B-6193-AEAC-D9F0-D8DD1F9FE77D}"/>
+                </a:ext>
+              </a:extLst>
+            </p:cNvPr>
+            <p:cNvSpPr>
+              <a:spLocks noChangeAspect="1"/>
+            </p:cNvSpPr>
+            <p:nvPr/>
+          </p:nvSpPr>
+          <p:spPr>
+            <a:xfrm>
+              <a:off x="8419241" y="2913597"/>
+              <a:ext cx="154318" cy="259561"/>
+            </a:xfrm>
+            <a:prstGeom prst="rect">
+              <a:avLst/>
+            </a:prstGeom>
+            <a:solidFill>
+              <a:schemeClr val="bg1"/>
+            </a:solidFill>
+            <a:ln>
+              <a:solidFill>
+                <a:schemeClr val="bg1"/>
+              </a:solidFill>
+            </a:ln>
+          </p:spPr>
+          <p:style>
+            <a:lnRef idx="2">
+              <a:schemeClr val="accent1">
+                <a:shade val="50000"/>
+              </a:schemeClr>
+            </a:lnRef>
+            <a:fillRef idx="1">
+              <a:schemeClr val="accent1"/>
+            </a:fillRef>
+            <a:effectRef idx="0">
+              <a:schemeClr val="accent1"/>
+            </a:effectRef>
+            <a:fontRef idx="minor">
+              <a:schemeClr val="lt1"/>
+            </a:fontRef>
+          </p:style>
+          <p:txBody>
+            <a:bodyPr rtlCol="0" anchor="ctr"/>
+            <a:lstStyle/>
+            <a:p>
+              <a:pPr algn="ctr"/>
+              <a:endParaRPr lang="ko-KR" altLang="en-US"/>
+            </a:p>
+          </p:txBody>
+        </p:sp>
+        <p:sp>
+          <p:nvSpPr>
+            <p:cNvPr id="49" name="직사각형 48">
+              <a:extLst>
+                <a:ext uri="{FF2B5EF4-FFF2-40B4-BE49-F238E27FC236}">
+                  <a16:creationId xmlns:a16="http://schemas.microsoft.com/office/drawing/2014/main" id="{88CA0E52-0B1F-2040-4BEA-5ED42D71A30F}"/>
+                </a:ext>
+              </a:extLst>
+            </p:cNvPr>
+            <p:cNvSpPr>
+              <a:spLocks noChangeAspect="1"/>
+            </p:cNvSpPr>
+            <p:nvPr/>
+          </p:nvSpPr>
+          <p:spPr>
+            <a:xfrm>
+              <a:off x="8640244" y="2794891"/>
+              <a:ext cx="154318" cy="378266"/>
+            </a:xfrm>
+            <a:prstGeom prst="rect">
+              <a:avLst/>
+            </a:prstGeom>
+            <a:solidFill>
+              <a:schemeClr val="bg1"/>
+            </a:solidFill>
+            <a:ln>
+              <a:solidFill>
+                <a:schemeClr val="bg1"/>
+              </a:solidFill>
+            </a:ln>
+          </p:spPr>
+          <p:style>
+            <a:lnRef idx="2">
+              <a:schemeClr val="accent1">
+                <a:shade val="50000"/>
+              </a:schemeClr>
+            </a:lnRef>
+            <a:fillRef idx="1">
+              <a:schemeClr val="accent1"/>
+            </a:fillRef>
+            <a:effectRef idx="0">
+              <a:schemeClr val="accent1"/>
+            </a:effectRef>
+            <a:fontRef idx="minor">
+              <a:schemeClr val="lt1"/>
+            </a:fontRef>
+          </p:style>
+          <p:txBody>
+            <a:bodyPr rtlCol="0" anchor="ctr"/>
+            <a:lstStyle/>
+            <a:p>
+              <a:pPr algn="ctr"/>
+              <a:endParaRPr lang="ko-KR" altLang="en-US"/>
+            </a:p>
+          </p:txBody>
+        </p:sp>
+        <p:sp>
+          <p:nvSpPr>
+            <p:cNvPr id="50" name="직사각형 49">
+              <a:extLst>
+                <a:ext uri="{FF2B5EF4-FFF2-40B4-BE49-F238E27FC236}">
+                  <a16:creationId xmlns:a16="http://schemas.microsoft.com/office/drawing/2014/main" id="{804ED706-1E4A-D94B-F024-0DC08EB4AF42}"/>
+                </a:ext>
+              </a:extLst>
+            </p:cNvPr>
+            <p:cNvSpPr>
+              <a:spLocks noChangeAspect="1"/>
+            </p:cNvSpPr>
+            <p:nvPr/>
+          </p:nvSpPr>
+          <p:spPr>
+            <a:xfrm>
+              <a:off x="8861249" y="2648487"/>
+              <a:ext cx="154318" cy="524670"/>
+            </a:xfrm>
+            <a:prstGeom prst="rect">
+              <a:avLst/>
+            </a:prstGeom>
+            <a:solidFill>
+              <a:schemeClr val="bg1"/>
+            </a:solidFill>
+            <a:ln>
+              <a:solidFill>
+                <a:schemeClr val="bg1"/>
+              </a:solidFill>
+            </a:ln>
+          </p:spPr>
+          <p:style>
+            <a:lnRef idx="2">
+              <a:schemeClr val="accent1">
+                <a:shade val="50000"/>
+              </a:schemeClr>
+            </a:lnRef>
+            <a:fillRef idx="1">
+              <a:schemeClr val="accent1"/>
+            </a:fillRef>
+            <a:effectRef idx="0">
+              <a:schemeClr val="accent1"/>
+            </a:effectRef>
+            <a:fontRef idx="minor">
+              <a:schemeClr val="lt1"/>
+            </a:fontRef>
+          </p:style>
+          <p:txBody>
+            <a:bodyPr rtlCol="0" anchor="ctr"/>
+            <a:lstStyle/>
+            <a:p>
+              <a:pPr algn="ctr"/>
+              <a:endParaRPr lang="ko-KR" altLang="en-US"/>
+            </a:p>
+          </p:txBody>
+        </p:sp>
+        <p:sp>
+          <p:nvSpPr>
+            <p:cNvPr id="51" name="직사각형 50">
+              <a:extLst>
+                <a:ext uri="{FF2B5EF4-FFF2-40B4-BE49-F238E27FC236}">
+                  <a16:creationId xmlns:a16="http://schemas.microsoft.com/office/drawing/2014/main" id="{FAF4E0E8-842F-E90A-7C23-A55200CA931A}"/>
+                </a:ext>
+              </a:extLst>
+            </p:cNvPr>
+            <p:cNvSpPr>
+              <a:spLocks noChangeAspect="1"/>
+            </p:cNvSpPr>
+            <p:nvPr/>
+          </p:nvSpPr>
+          <p:spPr>
+            <a:xfrm>
+              <a:off x="9082252" y="2503800"/>
+              <a:ext cx="154318" cy="669359"/>
+            </a:xfrm>
+            <a:prstGeom prst="rect">
+              <a:avLst/>
+            </a:prstGeom>
+            <a:solidFill>
+              <a:schemeClr val="bg1"/>
+            </a:solidFill>
+            <a:ln>
+              <a:solidFill>
+                <a:schemeClr val="bg1"/>
+              </a:solidFill>
+            </a:ln>
+          </p:spPr>
+          <p:style>
+            <a:lnRef idx="2">
+              <a:schemeClr val="accent1">
+                <a:shade val="50000"/>
+              </a:schemeClr>
+            </a:lnRef>
+            <a:fillRef idx="1">
+              <a:schemeClr val="accent1"/>
+            </a:fillRef>
+            <a:effectRef idx="0">
+              <a:schemeClr val="accent1"/>
+            </a:effectRef>
+            <a:fontRef idx="minor">
+              <a:schemeClr val="lt1"/>
+            </a:fontRef>
+          </p:style>
+          <p:txBody>
+            <a:bodyPr rtlCol="0" anchor="ctr"/>
+            <a:lstStyle/>
+            <a:p>
+              <a:pPr algn="ctr"/>
+              <a:endParaRPr lang="ko-KR" altLang="en-US" dirty="0"/>
+            </a:p>
+          </p:txBody>
+        </p:sp>
+        <p:sp>
+          <p:nvSpPr>
+            <p:cNvPr id="52" name="직사각형 51">
+              <a:extLst>
+                <a:ext uri="{FF2B5EF4-FFF2-40B4-BE49-F238E27FC236}">
+                  <a16:creationId xmlns:a16="http://schemas.microsoft.com/office/drawing/2014/main" id="{92DC0B00-1EA3-ED0D-3893-86023147AAB5}"/>
+                </a:ext>
+              </a:extLst>
+            </p:cNvPr>
+            <p:cNvSpPr>
+              <a:spLocks noChangeAspect="1"/>
+            </p:cNvSpPr>
+            <p:nvPr/>
+          </p:nvSpPr>
+          <p:spPr>
+            <a:xfrm>
+              <a:off x="9303255" y="2359638"/>
+              <a:ext cx="154318" cy="813521"/>
+            </a:xfrm>
+            <a:prstGeom prst="rect">
+              <a:avLst/>
+            </a:prstGeom>
+            <a:solidFill>
+              <a:schemeClr val="bg1">
+                <a:lumMod val="50000"/>
+              </a:schemeClr>
+            </a:solidFill>
+            <a:ln>
+              <a:solidFill>
+                <a:schemeClr val="bg1">
+                  <a:lumMod val="50000"/>
+                </a:schemeClr>
+              </a:solidFill>
+            </a:ln>
+          </p:spPr>
+          <p:style>
+            <a:lnRef idx="2">
+              <a:schemeClr val="accent1">
+                <a:shade val="50000"/>
+              </a:schemeClr>
+            </a:lnRef>
+            <a:fillRef idx="1">
+              <a:schemeClr val="accent1"/>
+            </a:fillRef>
+            <a:effectRef idx="0">
+              <a:schemeClr val="accent1"/>
+            </a:effectRef>
+            <a:fontRef idx="minor">
+              <a:schemeClr val="lt1"/>
+            </a:fontRef>
+          </p:style>
+          <p:txBody>
+            <a:bodyPr rtlCol="0" anchor="ctr"/>
+            <a:lstStyle/>
+            <a:p>
+              <a:pPr algn="ctr"/>
+              <a:endParaRPr lang="ko-KR" altLang="en-US" dirty="0"/>
+            </a:p>
+          </p:txBody>
+        </p:sp>
+      </p:grpSp>
+      <p:sp>
+        <p:nvSpPr>
+          <p:cNvPr id="57" name="십자형 56">
+            <a:extLst>
+              <a:ext uri="{FF2B5EF4-FFF2-40B4-BE49-F238E27FC236}">
+                <a16:creationId xmlns:a16="http://schemas.microsoft.com/office/drawing/2014/main" id="{195FCB4E-E9AC-DD9B-5F4D-F9ADDD500F11}"/>
+              </a:ext>
+            </a:extLst>
+          </p:cNvPr>
+          <p:cNvSpPr>
+            <a:spLocks noChangeAspect="1"/>
+          </p:cNvSpPr>
+          <p:nvPr/>
+        </p:nvSpPr>
+        <p:spPr>
+          <a:xfrm>
+            <a:off x="1834218" y="3998228"/>
+            <a:ext cx="307075" cy="307075"/>
+          </a:xfrm>
+          <a:prstGeom prst="plus">
+            <a:avLst>
+              <a:gd name="adj" fmla="val 35081"/>
+            </a:avLst>
+          </a:prstGeom>
+          <a:solidFill>
+            <a:schemeClr val="bg1"/>
+          </a:solidFill>
+          <a:ln>
+            <a:solidFill>
+              <a:schemeClr val="bg1"/>
+            </a:solidFill>
+          </a:ln>
+        </p:spPr>
+        <p:style>
+          <a:lnRef idx="2">
+            <a:schemeClr val="accent1">
+              <a:shade val="50000"/>
+            </a:schemeClr>
+          </a:lnRef>
+          <a:fillRef idx="1">
+            <a:schemeClr val="accent1"/>
+          </a:fillRef>
+          <a:effectRef idx="0">
+            <a:schemeClr val="accent1"/>
+          </a:effectRef>
+          <a:fontRef idx="minor">
+            <a:schemeClr val="lt1"/>
+          </a:fontRef>
+        </p:style>
+        <p:txBody>
+          <a:bodyPr rtlCol="0" anchor="ctr"/>
+          <a:lstStyle/>
+          <a:p>
+            <a:pPr algn="ctr"/>
+            <a:endParaRPr lang="ko-KR" altLang="en-US"/>
+          </a:p>
+        </p:txBody>
+      </p:sp>
+      <p:sp>
+        <p:nvSpPr>
+          <p:cNvPr id="58" name="직사각형 57">
+            <a:extLst>
+              <a:ext uri="{FF2B5EF4-FFF2-40B4-BE49-F238E27FC236}">
+                <a16:creationId xmlns:a16="http://schemas.microsoft.com/office/drawing/2014/main" id="{7759868E-9F1C-88C1-9EB3-196D8791C103}"/>
+              </a:ext>
+            </a:extLst>
+          </p:cNvPr>
+          <p:cNvSpPr/>
+          <p:nvPr/>
+        </p:nvSpPr>
+        <p:spPr>
+          <a:xfrm>
+            <a:off x="1816268" y="5987552"/>
+            <a:ext cx="342973" cy="100843"/>
+          </a:xfrm>
+          <a:prstGeom prst="rect">
+            <a:avLst/>
+          </a:prstGeom>
+          <a:solidFill>
+            <a:schemeClr val="bg1"/>
+          </a:solidFill>
+          <a:ln>
+            <a:solidFill>
+              <a:schemeClr val="bg1"/>
+            </a:solidFill>
+          </a:ln>
+        </p:spPr>
+        <p:style>
+          <a:lnRef idx="2">
+            <a:schemeClr val="accent1">
+              <a:shade val="50000"/>
+            </a:schemeClr>
+          </a:lnRef>
+          <a:fillRef idx="1">
+            <a:schemeClr val="accent1"/>
+          </a:fillRef>
+          <a:effectRef idx="0">
+            <a:schemeClr val="accent1"/>
+          </a:effectRef>
+          <a:fontRef idx="minor">
+            <a:schemeClr val="lt1"/>
+          </a:fontRef>
+        </p:style>
+        <p:txBody>
+          <a:bodyPr rtlCol="0" anchor="ctr"/>
+          <a:lstStyle/>
+          <a:p>
+            <a:pPr algn="ctr"/>
+            <a:endParaRPr lang="ko-KR" altLang="en-US"/>
+          </a:p>
+        </p:txBody>
+      </p:sp>
+      <p:grpSp>
+        <p:nvGrpSpPr>
+          <p:cNvPr id="59" name="그룹 58">
+            <a:extLst>
+              <a:ext uri="{FF2B5EF4-FFF2-40B4-BE49-F238E27FC236}">
+                <a16:creationId xmlns:a16="http://schemas.microsoft.com/office/drawing/2014/main" id="{003ED4FE-AA2B-7443-AA98-4880556F7B72}"/>
+              </a:ext>
+            </a:extLst>
+          </p:cNvPr>
+          <p:cNvGrpSpPr/>
+          <p:nvPr/>
+        </p:nvGrpSpPr>
+        <p:grpSpPr>
+          <a:xfrm>
+            <a:off x="3985561" y="3648691"/>
+            <a:ext cx="2916237" cy="2916236"/>
+            <a:chOff x="6981882" y="1273228"/>
+            <a:chExt cx="2916237" cy="2916236"/>
+          </a:xfrm>
+        </p:grpSpPr>
+        <p:sp>
+          <p:nvSpPr>
+            <p:cNvPr id="60" name="타원 59">
+              <a:extLst>
+                <a:ext uri="{FF2B5EF4-FFF2-40B4-BE49-F238E27FC236}">
+                  <a16:creationId xmlns:a16="http://schemas.microsoft.com/office/drawing/2014/main" id="{2A5F3CB7-A131-76CC-2DFF-CAED16C56D71}"/>
+                </a:ext>
+              </a:extLst>
+            </p:cNvPr>
+            <p:cNvSpPr>
+              <a:spLocks noChangeAspect="1"/>
+            </p:cNvSpPr>
+            <p:nvPr/>
+          </p:nvSpPr>
+          <p:spPr>
+            <a:xfrm>
+              <a:off x="6981882" y="1273228"/>
+              <a:ext cx="2916237" cy="2916236"/>
+            </a:xfrm>
+            <a:prstGeom prst="ellipse">
+              <a:avLst/>
+            </a:prstGeom>
+            <a:gradFill flip="none" rotWithShape="1">
+              <a:gsLst>
+                <a:gs pos="97000">
+                  <a:schemeClr val="bg2">
+                    <a:lumMod val="25000"/>
+                  </a:schemeClr>
+                </a:gs>
+                <a:gs pos="100000">
+                  <a:schemeClr val="bg2">
+                    <a:lumMod val="25000"/>
+                  </a:schemeClr>
+                </a:gs>
+              </a:gsLst>
+              <a:path path="rect">
+                <a:fillToRect l="50000" t="50000" r="50000" b="50000"/>
+              </a:path>
+              <a:tileRect/>
+            </a:gradFill>
+            <a:ln>
+              <a:noFill/>
+            </a:ln>
+            <a:effectLst>
+              <a:outerShdw blurRad="63500" sx="102000" sy="102000" algn="ctr" rotWithShape="0">
+                <a:prstClr val="black">
+                  <a:alpha val="40000"/>
+                </a:prstClr>
+              </a:outerShdw>
+            </a:effectLst>
+            <a:scene3d>
+              <a:camera prst="orthographicFront">
+                <a:rot lat="0" lon="0" rev="0"/>
+              </a:camera>
+              <a:lightRig rig="soft" dir="t">
+                <a:rot lat="0" lon="0" rev="0"/>
+              </a:lightRig>
+            </a:scene3d>
+            <a:sp3d prstMaterial="matte">
+              <a:bevelT w="355600" h="63500" prst="cross"/>
+              <a:contourClr>
+                <a:schemeClr val="bg2">
+                  <a:lumMod val="25000"/>
+                </a:schemeClr>
+              </a:contourClr>
+            </a:sp3d>
+          </p:spPr>
+          <p:style>
+            <a:lnRef idx="2">
+              <a:schemeClr val="accent1">
+                <a:shade val="50000"/>
+              </a:schemeClr>
+            </a:lnRef>
+            <a:fillRef idx="1">
+              <a:schemeClr val="accent1"/>
+            </a:fillRef>
+            <a:effectRef idx="0">
+              <a:schemeClr val="accent1"/>
+            </a:effectRef>
+            <a:fontRef idx="minor">
+              <a:schemeClr val="lt1"/>
+            </a:fontRef>
+          </p:style>
+          <p:txBody>
+            <a:bodyPr rtlCol="0" anchor="ctr"/>
+            <a:lstStyle/>
+            <a:p>
+              <a:pPr algn="ctr"/>
+              <a:endParaRPr lang="ko-KR" altLang="en-US" dirty="0"/>
+            </a:p>
+          </p:txBody>
+        </p:sp>
+        <p:grpSp>
+          <p:nvGrpSpPr>
+            <p:cNvPr id="61" name="그룹 60">
+              <a:extLst>
+                <a:ext uri="{FF2B5EF4-FFF2-40B4-BE49-F238E27FC236}">
+                  <a16:creationId xmlns:a16="http://schemas.microsoft.com/office/drawing/2014/main" id="{2300A696-3CB6-1FF0-530E-254D2B81645C}"/>
+                </a:ext>
+              </a:extLst>
+            </p:cNvPr>
+            <p:cNvGrpSpPr>
+              <a:grpSpLocks noChangeAspect="1"/>
+            </p:cNvGrpSpPr>
+            <p:nvPr/>
+          </p:nvGrpSpPr>
+          <p:grpSpPr>
+            <a:xfrm>
+              <a:off x="7422427" y="2282694"/>
+              <a:ext cx="897304" cy="897303"/>
+              <a:chOff x="7234891" y="530398"/>
+              <a:chExt cx="2865850" cy="2870409"/>
+            </a:xfrm>
+            <a:solidFill>
+              <a:schemeClr val="bg1"/>
+            </a:solidFill>
+          </p:grpSpPr>
+          <p:sp>
+            <p:nvSpPr>
+              <p:cNvPr id="67" name="현 66">
+                <a:extLst>
+                  <a:ext uri="{FF2B5EF4-FFF2-40B4-BE49-F238E27FC236}">
+                    <a16:creationId xmlns:a16="http://schemas.microsoft.com/office/drawing/2014/main" id="{C99AF83D-1799-723C-33F1-E1228B342E48}"/>
+                  </a:ext>
+                </a:extLst>
+              </p:cNvPr>
+              <p:cNvSpPr/>
+              <p:nvPr/>
+            </p:nvSpPr>
+            <p:spPr>
+              <a:xfrm>
+                <a:off x="7954891" y="1960807"/>
+                <a:ext cx="1440000" cy="1440000"/>
+              </a:xfrm>
+              <a:prstGeom prst="chord">
+                <a:avLst>
+                  <a:gd name="adj1" fmla="val 5367685"/>
+                  <a:gd name="adj2" fmla="val 16200000"/>
+                </a:avLst>
+              </a:prstGeom>
+              <a:grpFill/>
+              <a:ln>
+                <a:solidFill>
+                  <a:schemeClr val="bg1"/>
+                </a:solidFill>
+              </a:ln>
+            </p:spPr>
+            <p:style>
+              <a:lnRef idx="2">
+                <a:schemeClr val="accent1">
+                  <a:shade val="50000"/>
+                </a:schemeClr>
+              </a:lnRef>
+              <a:fillRef idx="1">
+                <a:schemeClr val="accent1"/>
+              </a:fillRef>
+              <a:effectRef idx="0">
+                <a:schemeClr val="accent1"/>
+              </a:effectRef>
+              <a:fontRef idx="minor">
+                <a:schemeClr val="lt1"/>
+              </a:fontRef>
+            </p:style>
+            <p:txBody>
+              <a:bodyPr rtlCol="0" anchor="ctr"/>
+              <a:lstStyle/>
+              <a:p>
+                <a:pPr algn="ctr"/>
+                <a:endParaRPr lang="ko-KR" altLang="en-US"/>
+              </a:p>
+            </p:txBody>
+          </p:sp>
+          <p:sp>
+            <p:nvSpPr>
+              <p:cNvPr id="68" name="현 67">
+                <a:extLst>
+                  <a:ext uri="{FF2B5EF4-FFF2-40B4-BE49-F238E27FC236}">
+                    <a16:creationId xmlns:a16="http://schemas.microsoft.com/office/drawing/2014/main" id="{1155C37E-87BC-034C-927D-7D6EBB281494}"/>
+                  </a:ext>
+                </a:extLst>
+              </p:cNvPr>
+              <p:cNvSpPr/>
+              <p:nvPr/>
+            </p:nvSpPr>
+            <p:spPr>
+              <a:xfrm rot="16200000">
+                <a:off x="8660741" y="1244071"/>
+                <a:ext cx="1440000" cy="1440000"/>
+              </a:xfrm>
+              <a:prstGeom prst="chord">
+                <a:avLst>
+                  <a:gd name="adj1" fmla="val 5367685"/>
+                  <a:gd name="adj2" fmla="val 16200000"/>
+                </a:avLst>
+              </a:prstGeom>
+              <a:grpFill/>
+              <a:ln>
+                <a:solidFill>
+                  <a:schemeClr val="bg1"/>
+                </a:solidFill>
+              </a:ln>
+            </p:spPr>
+            <p:style>
+              <a:lnRef idx="2">
+                <a:schemeClr val="accent1">
+                  <a:shade val="50000"/>
+                </a:schemeClr>
+              </a:lnRef>
+              <a:fillRef idx="1">
+                <a:schemeClr val="accent1"/>
+              </a:fillRef>
+              <a:effectRef idx="0">
+                <a:schemeClr val="accent1"/>
+              </a:effectRef>
+              <a:fontRef idx="minor">
+                <a:schemeClr val="lt1"/>
+              </a:fontRef>
+            </p:style>
+            <p:txBody>
+              <a:bodyPr rtlCol="0" anchor="ctr"/>
+              <a:lstStyle/>
+              <a:p>
+                <a:pPr algn="ctr"/>
+                <a:endParaRPr lang="ko-KR" altLang="en-US"/>
+              </a:p>
+            </p:txBody>
+          </p:sp>
+          <p:sp>
+            <p:nvSpPr>
+              <p:cNvPr id="69" name="현 68">
+                <a:extLst>
+                  <a:ext uri="{FF2B5EF4-FFF2-40B4-BE49-F238E27FC236}">
+                    <a16:creationId xmlns:a16="http://schemas.microsoft.com/office/drawing/2014/main" id="{8CEAA4BA-A9D6-185A-20E6-2562567B9130}"/>
+                  </a:ext>
+                </a:extLst>
+              </p:cNvPr>
+              <p:cNvSpPr/>
+              <p:nvPr/>
+            </p:nvSpPr>
+            <p:spPr>
+              <a:xfrm rot="10800000">
+                <a:off x="7939135" y="530398"/>
+                <a:ext cx="1440000" cy="1440000"/>
+              </a:xfrm>
+              <a:prstGeom prst="chord">
+                <a:avLst>
+                  <a:gd name="adj1" fmla="val 5367685"/>
+                  <a:gd name="adj2" fmla="val 16200000"/>
+                </a:avLst>
+              </a:prstGeom>
+              <a:grpFill/>
+              <a:ln>
+                <a:solidFill>
+                  <a:schemeClr val="bg1"/>
+                </a:solidFill>
+              </a:ln>
+            </p:spPr>
+            <p:style>
+              <a:lnRef idx="2">
+                <a:schemeClr val="accent1">
+                  <a:shade val="50000"/>
+                </a:schemeClr>
+              </a:lnRef>
+              <a:fillRef idx="1">
+                <a:schemeClr val="accent1"/>
+              </a:fillRef>
+              <a:effectRef idx="0">
+                <a:schemeClr val="accent1"/>
+              </a:effectRef>
+              <a:fontRef idx="minor">
+                <a:schemeClr val="lt1"/>
+              </a:fontRef>
+            </p:style>
+            <p:txBody>
+              <a:bodyPr rtlCol="0" anchor="ctr"/>
+              <a:lstStyle/>
+              <a:p>
+                <a:pPr algn="ctr"/>
+                <a:endParaRPr lang="ko-KR" altLang="en-US"/>
+              </a:p>
+            </p:txBody>
+          </p:sp>
+          <p:sp>
+            <p:nvSpPr>
+              <p:cNvPr id="70" name="현 69">
+                <a:extLst>
+                  <a:ext uri="{FF2B5EF4-FFF2-40B4-BE49-F238E27FC236}">
+                    <a16:creationId xmlns:a16="http://schemas.microsoft.com/office/drawing/2014/main" id="{07D65E03-BADC-7B4F-3FDE-306EDBB13615}"/>
+                  </a:ext>
+                </a:extLst>
+              </p:cNvPr>
+              <p:cNvSpPr/>
+              <p:nvPr/>
+            </p:nvSpPr>
+            <p:spPr>
+              <a:xfrm rot="5400000">
+                <a:off x="7216542" y="1256047"/>
+                <a:ext cx="1476698" cy="1440000"/>
+              </a:xfrm>
+              <a:prstGeom prst="chord">
+                <a:avLst>
+                  <a:gd name="adj1" fmla="val 5367685"/>
+                  <a:gd name="adj2" fmla="val 16200000"/>
+                </a:avLst>
+              </a:prstGeom>
+              <a:grpFill/>
+              <a:ln>
+                <a:solidFill>
+                  <a:schemeClr val="bg1"/>
+                </a:solidFill>
+              </a:ln>
+            </p:spPr>
+            <p:style>
+              <a:lnRef idx="2">
+                <a:schemeClr val="accent1">
+                  <a:shade val="50000"/>
+                </a:schemeClr>
+              </a:lnRef>
+              <a:fillRef idx="1">
+                <a:schemeClr val="accent1"/>
+              </a:fillRef>
+              <a:effectRef idx="0">
+                <a:schemeClr val="accent1"/>
+              </a:effectRef>
+              <a:fontRef idx="minor">
+                <a:schemeClr val="lt1"/>
+              </a:fontRef>
+            </p:style>
+            <p:txBody>
+              <a:bodyPr rtlCol="0" anchor="ctr"/>
+              <a:lstStyle/>
+              <a:p>
+                <a:pPr algn="ctr"/>
+                <a:endParaRPr lang="ko-KR" altLang="en-US"/>
+              </a:p>
+            </p:txBody>
+          </p:sp>
+        </p:grpSp>
+        <p:sp>
+          <p:nvSpPr>
+            <p:cNvPr id="62" name="직사각형 61">
+              <a:extLst>
+                <a:ext uri="{FF2B5EF4-FFF2-40B4-BE49-F238E27FC236}">
+                  <a16:creationId xmlns:a16="http://schemas.microsoft.com/office/drawing/2014/main" id="{0EF6843E-9A49-3970-92F9-82B22D084FF2}"/>
+                </a:ext>
+              </a:extLst>
+            </p:cNvPr>
+            <p:cNvSpPr>
+              <a:spLocks noChangeAspect="1"/>
+            </p:cNvSpPr>
+            <p:nvPr/>
+          </p:nvSpPr>
+          <p:spPr>
+            <a:xfrm>
+              <a:off x="8419241" y="2913597"/>
+              <a:ext cx="154318" cy="259561"/>
+            </a:xfrm>
+            <a:prstGeom prst="rect">
+              <a:avLst/>
+            </a:prstGeom>
+            <a:solidFill>
+              <a:srgbClr val="7F7F7F"/>
+            </a:solidFill>
+            <a:ln>
+              <a:solidFill>
+                <a:srgbClr val="7F7F7F"/>
+              </a:solidFill>
+            </a:ln>
+          </p:spPr>
+          <p:style>
+            <a:lnRef idx="2">
+              <a:schemeClr val="accent1">
+                <a:shade val="50000"/>
+              </a:schemeClr>
+            </a:lnRef>
+            <a:fillRef idx="1">
+              <a:schemeClr val="accent1"/>
+            </a:fillRef>
+            <a:effectRef idx="0">
+              <a:schemeClr val="accent1"/>
+            </a:effectRef>
+            <a:fontRef idx="minor">
+              <a:schemeClr val="lt1"/>
+            </a:fontRef>
+          </p:style>
+          <p:txBody>
+            <a:bodyPr rtlCol="0" anchor="ctr"/>
+            <a:lstStyle/>
+            <a:p>
+              <a:pPr algn="ctr"/>
+              <a:endParaRPr lang="ko-KR" altLang="en-US"/>
+            </a:p>
+          </p:txBody>
+        </p:sp>
+        <p:sp>
+          <p:nvSpPr>
+            <p:cNvPr id="63" name="직사각형 62">
+              <a:extLst>
+                <a:ext uri="{FF2B5EF4-FFF2-40B4-BE49-F238E27FC236}">
+                  <a16:creationId xmlns:a16="http://schemas.microsoft.com/office/drawing/2014/main" id="{392EAE08-E553-BF72-B1B2-578047CC0F48}"/>
+                </a:ext>
+              </a:extLst>
+            </p:cNvPr>
+            <p:cNvSpPr>
+              <a:spLocks noChangeAspect="1"/>
+            </p:cNvSpPr>
+            <p:nvPr/>
+          </p:nvSpPr>
+          <p:spPr>
+            <a:xfrm>
+              <a:off x="8640244" y="2794891"/>
+              <a:ext cx="154318" cy="378266"/>
+            </a:xfrm>
+            <a:prstGeom prst="rect">
+              <a:avLst/>
+            </a:prstGeom>
+            <a:solidFill>
+              <a:srgbClr val="7F7F7F"/>
+            </a:solidFill>
+            <a:ln>
+              <a:solidFill>
+                <a:srgbClr val="7F7F7F"/>
+              </a:solidFill>
+            </a:ln>
+          </p:spPr>
+          <p:style>
+            <a:lnRef idx="2">
+              <a:schemeClr val="accent1">
+                <a:shade val="50000"/>
+              </a:schemeClr>
+            </a:lnRef>
+            <a:fillRef idx="1">
+              <a:schemeClr val="accent1"/>
+            </a:fillRef>
+            <a:effectRef idx="0">
+              <a:schemeClr val="accent1"/>
+            </a:effectRef>
+            <a:fontRef idx="minor">
+              <a:schemeClr val="lt1"/>
+            </a:fontRef>
+          </p:style>
+          <p:txBody>
+            <a:bodyPr rtlCol="0" anchor="ctr"/>
+            <a:lstStyle/>
+            <a:p>
+              <a:pPr algn="ctr"/>
+              <a:endParaRPr lang="ko-KR" altLang="en-US"/>
+            </a:p>
+          </p:txBody>
+        </p:sp>
+        <p:sp>
+          <p:nvSpPr>
+            <p:cNvPr id="64" name="직사각형 63">
+              <a:extLst>
+                <a:ext uri="{FF2B5EF4-FFF2-40B4-BE49-F238E27FC236}">
+                  <a16:creationId xmlns:a16="http://schemas.microsoft.com/office/drawing/2014/main" id="{E495D880-6744-7F90-9F89-07D27DC95CFD}"/>
+                </a:ext>
+              </a:extLst>
+            </p:cNvPr>
+            <p:cNvSpPr>
+              <a:spLocks noChangeAspect="1"/>
+            </p:cNvSpPr>
+            <p:nvPr/>
+          </p:nvSpPr>
+          <p:spPr>
+            <a:xfrm>
+              <a:off x="8861249" y="2648487"/>
+              <a:ext cx="154318" cy="524670"/>
+            </a:xfrm>
+            <a:prstGeom prst="rect">
+              <a:avLst/>
+            </a:prstGeom>
+            <a:solidFill>
+              <a:srgbClr val="7F7F7F"/>
+            </a:solidFill>
+            <a:ln>
+              <a:solidFill>
+                <a:srgbClr val="7F7F7F"/>
+              </a:solidFill>
+            </a:ln>
+          </p:spPr>
+          <p:style>
+            <a:lnRef idx="2">
+              <a:schemeClr val="accent1">
+                <a:shade val="50000"/>
+              </a:schemeClr>
+            </a:lnRef>
+            <a:fillRef idx="1">
+              <a:schemeClr val="accent1"/>
+            </a:fillRef>
+            <a:effectRef idx="0">
+              <a:schemeClr val="accent1"/>
+            </a:effectRef>
+            <a:fontRef idx="minor">
+              <a:schemeClr val="lt1"/>
+            </a:fontRef>
+          </p:style>
+          <p:txBody>
+            <a:bodyPr rtlCol="0" anchor="ctr"/>
+            <a:lstStyle/>
+            <a:p>
+              <a:pPr algn="ctr"/>
+              <a:endParaRPr lang="ko-KR" altLang="en-US"/>
+            </a:p>
+          </p:txBody>
+        </p:sp>
+        <p:sp>
+          <p:nvSpPr>
+            <p:cNvPr id="65" name="직사각형 64">
+              <a:extLst>
+                <a:ext uri="{FF2B5EF4-FFF2-40B4-BE49-F238E27FC236}">
+                  <a16:creationId xmlns:a16="http://schemas.microsoft.com/office/drawing/2014/main" id="{1C52114A-1EBE-14EA-3741-2562568D9020}"/>
+                </a:ext>
+              </a:extLst>
+            </p:cNvPr>
+            <p:cNvSpPr>
+              <a:spLocks noChangeAspect="1"/>
+            </p:cNvSpPr>
+            <p:nvPr/>
+          </p:nvSpPr>
+          <p:spPr>
+            <a:xfrm>
+              <a:off x="9082252" y="2503800"/>
+              <a:ext cx="154318" cy="669359"/>
+            </a:xfrm>
+            <a:prstGeom prst="rect">
+              <a:avLst/>
+            </a:prstGeom>
+            <a:solidFill>
+              <a:srgbClr val="7F7F7F"/>
+            </a:solidFill>
+            <a:ln>
+              <a:solidFill>
+                <a:srgbClr val="7F7F7F"/>
+              </a:solidFill>
+            </a:ln>
+          </p:spPr>
+          <p:style>
+            <a:lnRef idx="2">
+              <a:schemeClr val="accent1">
+                <a:shade val="50000"/>
+              </a:schemeClr>
+            </a:lnRef>
+            <a:fillRef idx="1">
+              <a:schemeClr val="accent1"/>
+            </a:fillRef>
+            <a:effectRef idx="0">
+              <a:schemeClr val="accent1"/>
+            </a:effectRef>
+            <a:fontRef idx="minor">
+              <a:schemeClr val="lt1"/>
+            </a:fontRef>
+          </p:style>
+          <p:txBody>
+            <a:bodyPr rtlCol="0" anchor="ctr"/>
+            <a:lstStyle/>
+            <a:p>
+              <a:pPr algn="ctr"/>
+              <a:endParaRPr lang="ko-KR" altLang="en-US" dirty="0"/>
+            </a:p>
+          </p:txBody>
+        </p:sp>
+        <p:sp>
+          <p:nvSpPr>
+            <p:cNvPr id="66" name="직사각형 65">
+              <a:extLst>
+                <a:ext uri="{FF2B5EF4-FFF2-40B4-BE49-F238E27FC236}">
+                  <a16:creationId xmlns:a16="http://schemas.microsoft.com/office/drawing/2014/main" id="{EBE618D5-3AED-176A-D306-5C37C820FE46}"/>
+                </a:ext>
+              </a:extLst>
+            </p:cNvPr>
+            <p:cNvSpPr>
+              <a:spLocks noChangeAspect="1"/>
+            </p:cNvSpPr>
+            <p:nvPr/>
+          </p:nvSpPr>
+          <p:spPr>
+            <a:xfrm>
+              <a:off x="9303255" y="2359638"/>
+              <a:ext cx="154318" cy="813521"/>
+            </a:xfrm>
+            <a:prstGeom prst="rect">
+              <a:avLst/>
+            </a:prstGeom>
+            <a:solidFill>
+              <a:schemeClr val="bg1">
+                <a:lumMod val="50000"/>
+              </a:schemeClr>
+            </a:solidFill>
+            <a:ln>
+              <a:solidFill>
+                <a:schemeClr val="bg1">
+                  <a:lumMod val="50000"/>
+                </a:schemeClr>
+              </a:solidFill>
+            </a:ln>
+          </p:spPr>
+          <p:style>
+            <a:lnRef idx="2">
+              <a:schemeClr val="accent1">
+                <a:shade val="50000"/>
+              </a:schemeClr>
+            </a:lnRef>
+            <a:fillRef idx="1">
+              <a:schemeClr val="accent1"/>
+            </a:fillRef>
+            <a:effectRef idx="0">
+              <a:schemeClr val="accent1"/>
+            </a:effectRef>
+            <a:fontRef idx="minor">
+              <a:schemeClr val="lt1"/>
+            </a:fontRef>
+          </p:style>
+          <p:txBody>
+            <a:bodyPr rtlCol="0" anchor="ctr"/>
+            <a:lstStyle/>
+            <a:p>
+              <a:pPr algn="ctr"/>
+              <a:endParaRPr lang="ko-KR" altLang="en-US" dirty="0"/>
+            </a:p>
+          </p:txBody>
+        </p:sp>
+      </p:grpSp>
+      <p:sp>
+        <p:nvSpPr>
+          <p:cNvPr id="71" name="십자형 70">
+            <a:extLst>
+              <a:ext uri="{FF2B5EF4-FFF2-40B4-BE49-F238E27FC236}">
+                <a16:creationId xmlns:a16="http://schemas.microsoft.com/office/drawing/2014/main" id="{B0645114-0DD7-9098-EE05-7BEDADB0072B}"/>
+              </a:ext>
+            </a:extLst>
+          </p:cNvPr>
+          <p:cNvSpPr>
+            <a:spLocks noChangeAspect="1"/>
+          </p:cNvSpPr>
+          <p:nvPr/>
+        </p:nvSpPr>
+        <p:spPr>
+          <a:xfrm>
+            <a:off x="5290141" y="3970139"/>
+            <a:ext cx="307075" cy="307075"/>
+          </a:xfrm>
+          <a:prstGeom prst="plus">
+            <a:avLst>
+              <a:gd name="adj" fmla="val 35081"/>
+            </a:avLst>
+          </a:prstGeom>
+          <a:solidFill>
+            <a:schemeClr val="bg1"/>
+          </a:solidFill>
+          <a:ln>
+            <a:solidFill>
+              <a:schemeClr val="bg1"/>
+            </a:solidFill>
+          </a:ln>
+        </p:spPr>
+        <p:style>
+          <a:lnRef idx="2">
+            <a:schemeClr val="accent1">
+              <a:shade val="50000"/>
+            </a:schemeClr>
+          </a:lnRef>
+          <a:fillRef idx="1">
+            <a:schemeClr val="accent1"/>
+          </a:fillRef>
+          <a:effectRef idx="0">
+            <a:schemeClr val="accent1"/>
+          </a:effectRef>
+          <a:fontRef idx="minor">
+            <a:schemeClr val="lt1"/>
+          </a:fontRef>
+        </p:style>
+        <p:txBody>
+          <a:bodyPr rtlCol="0" anchor="ctr"/>
+          <a:lstStyle/>
+          <a:p>
+            <a:pPr algn="ctr"/>
+            <a:endParaRPr lang="ko-KR" altLang="en-US"/>
+          </a:p>
+        </p:txBody>
+      </p:sp>
+      <p:sp>
+        <p:nvSpPr>
+          <p:cNvPr id="72" name="직사각형 71">
+            <a:extLst>
+              <a:ext uri="{FF2B5EF4-FFF2-40B4-BE49-F238E27FC236}">
+                <a16:creationId xmlns:a16="http://schemas.microsoft.com/office/drawing/2014/main" id="{84B91F49-04A3-7ACF-D042-09D3166A9E4D}"/>
+              </a:ext>
+            </a:extLst>
+          </p:cNvPr>
+          <p:cNvSpPr/>
+          <p:nvPr/>
+        </p:nvSpPr>
+        <p:spPr>
+          <a:xfrm>
+            <a:off x="5272191" y="5959463"/>
+            <a:ext cx="342973" cy="100843"/>
+          </a:xfrm>
+          <a:prstGeom prst="rect">
+            <a:avLst/>
+          </a:prstGeom>
+          <a:solidFill>
+            <a:schemeClr val="bg1"/>
+          </a:solidFill>
+          <a:ln>
+            <a:solidFill>
+              <a:schemeClr val="bg1"/>
+            </a:solidFill>
+          </a:ln>
+        </p:spPr>
+        <p:style>
+          <a:lnRef idx="2">
+            <a:schemeClr val="accent1">
+              <a:shade val="50000"/>
+            </a:schemeClr>
+          </a:lnRef>
+          <a:fillRef idx="1">
+            <a:schemeClr val="accent1"/>
+          </a:fillRef>
+          <a:effectRef idx="0">
+            <a:schemeClr val="accent1"/>
+          </a:effectRef>
+          <a:fontRef idx="minor">
+            <a:schemeClr val="lt1"/>
+          </a:fontRef>
+        </p:style>
+        <p:txBody>
+          <a:bodyPr rtlCol="0" anchor="ctr"/>
+          <a:lstStyle/>
+          <a:p>
+            <a:pPr algn="ctr"/>
+            <a:endParaRPr lang="ko-KR" altLang="en-US"/>
+          </a:p>
+        </p:txBody>
+      </p:sp>
+      <p:grpSp>
+        <p:nvGrpSpPr>
+          <p:cNvPr id="73" name="그룹 72">
+            <a:extLst>
+              <a:ext uri="{FF2B5EF4-FFF2-40B4-BE49-F238E27FC236}">
+                <a16:creationId xmlns:a16="http://schemas.microsoft.com/office/drawing/2014/main" id="{499BEAFD-DB28-380C-EDA4-07D7E4C31B5B}"/>
+              </a:ext>
+            </a:extLst>
+          </p:cNvPr>
+          <p:cNvGrpSpPr/>
+          <p:nvPr/>
+        </p:nvGrpSpPr>
+        <p:grpSpPr>
+          <a:xfrm>
+            <a:off x="7738971" y="3648691"/>
+            <a:ext cx="2916237" cy="2916236"/>
+            <a:chOff x="6981882" y="1273228"/>
+            <a:chExt cx="2916237" cy="2916236"/>
+          </a:xfrm>
+        </p:grpSpPr>
+        <p:sp>
+          <p:nvSpPr>
+            <p:cNvPr id="74" name="타원 73">
+              <a:extLst>
+                <a:ext uri="{FF2B5EF4-FFF2-40B4-BE49-F238E27FC236}">
+                  <a16:creationId xmlns:a16="http://schemas.microsoft.com/office/drawing/2014/main" id="{E9E93CBD-D389-5750-116C-D14CF9EB4E81}"/>
+                </a:ext>
+              </a:extLst>
+            </p:cNvPr>
+            <p:cNvSpPr>
+              <a:spLocks noChangeAspect="1"/>
+            </p:cNvSpPr>
+            <p:nvPr/>
+          </p:nvSpPr>
+          <p:spPr>
+            <a:xfrm>
+              <a:off x="6981882" y="1273228"/>
+              <a:ext cx="2916237" cy="2916236"/>
+            </a:xfrm>
+            <a:prstGeom prst="ellipse">
+              <a:avLst/>
+            </a:prstGeom>
+            <a:gradFill flip="none" rotWithShape="1">
+              <a:gsLst>
+                <a:gs pos="97000">
+                  <a:schemeClr val="bg2">
+                    <a:lumMod val="25000"/>
+                  </a:schemeClr>
+                </a:gs>
+                <a:gs pos="100000">
+                  <a:schemeClr val="bg2">
+                    <a:lumMod val="25000"/>
+                  </a:schemeClr>
+                </a:gs>
+              </a:gsLst>
+              <a:path path="rect">
+                <a:fillToRect l="50000" t="50000" r="50000" b="50000"/>
+              </a:path>
+              <a:tileRect/>
+            </a:gradFill>
+            <a:ln>
+              <a:noFill/>
+            </a:ln>
+            <a:effectLst>
+              <a:outerShdw blurRad="63500" sx="102000" sy="102000" algn="ctr" rotWithShape="0">
+                <a:prstClr val="black">
+                  <a:alpha val="40000"/>
+                </a:prstClr>
+              </a:outerShdw>
+            </a:effectLst>
+            <a:scene3d>
+              <a:camera prst="orthographicFront">
+                <a:rot lat="0" lon="0" rev="0"/>
+              </a:camera>
+              <a:lightRig rig="soft" dir="t">
+                <a:rot lat="0" lon="0" rev="0"/>
+              </a:lightRig>
+            </a:scene3d>
+            <a:sp3d prstMaterial="matte">
+              <a:bevelT w="355600" h="63500" prst="cross"/>
+              <a:contourClr>
+                <a:schemeClr val="bg2">
+                  <a:lumMod val="25000"/>
+                </a:schemeClr>
+              </a:contourClr>
+            </a:sp3d>
+          </p:spPr>
+          <p:style>
+            <a:lnRef idx="2">
+              <a:schemeClr val="accent1">
+                <a:shade val="50000"/>
+              </a:schemeClr>
+            </a:lnRef>
+            <a:fillRef idx="1">
+              <a:schemeClr val="accent1"/>
+            </a:fillRef>
+            <a:effectRef idx="0">
+              <a:schemeClr val="accent1"/>
+            </a:effectRef>
+            <a:fontRef idx="minor">
+              <a:schemeClr val="lt1"/>
+            </a:fontRef>
+          </p:style>
+          <p:txBody>
+            <a:bodyPr rtlCol="0" anchor="ctr"/>
+            <a:lstStyle/>
+            <a:p>
+              <a:pPr algn="ctr"/>
+              <a:endParaRPr lang="ko-KR" altLang="en-US" dirty="0"/>
+            </a:p>
+          </p:txBody>
+        </p:sp>
+        <p:grpSp>
+          <p:nvGrpSpPr>
+            <p:cNvPr id="75" name="그룹 74">
+              <a:extLst>
+                <a:ext uri="{FF2B5EF4-FFF2-40B4-BE49-F238E27FC236}">
+                  <a16:creationId xmlns:a16="http://schemas.microsoft.com/office/drawing/2014/main" id="{17AA3C33-DD91-F93D-C7D1-47C1AD39B9DD}"/>
+                </a:ext>
+              </a:extLst>
+            </p:cNvPr>
+            <p:cNvGrpSpPr>
+              <a:grpSpLocks noChangeAspect="1"/>
+            </p:cNvGrpSpPr>
+            <p:nvPr/>
+          </p:nvGrpSpPr>
+          <p:grpSpPr>
+            <a:xfrm>
+              <a:off x="7422427" y="2282694"/>
+              <a:ext cx="897304" cy="897303"/>
+              <a:chOff x="7234891" y="530398"/>
+              <a:chExt cx="2865850" cy="2870409"/>
+            </a:xfrm>
+            <a:solidFill>
+              <a:schemeClr val="bg1"/>
+            </a:solidFill>
+          </p:grpSpPr>
+          <p:sp>
+            <p:nvSpPr>
+              <p:cNvPr id="81" name="현 80">
+                <a:extLst>
+                  <a:ext uri="{FF2B5EF4-FFF2-40B4-BE49-F238E27FC236}">
+                    <a16:creationId xmlns:a16="http://schemas.microsoft.com/office/drawing/2014/main" id="{AA802257-7416-C63F-6201-7AA33AE4FFFF}"/>
+                  </a:ext>
+                </a:extLst>
+              </p:cNvPr>
+              <p:cNvSpPr/>
+              <p:nvPr/>
+            </p:nvSpPr>
+            <p:spPr>
+              <a:xfrm>
+                <a:off x="7954891" y="1960807"/>
+                <a:ext cx="1440000" cy="1440000"/>
+              </a:xfrm>
+              <a:prstGeom prst="chord">
+                <a:avLst>
+                  <a:gd name="adj1" fmla="val 5367685"/>
+                  <a:gd name="adj2" fmla="val 16200000"/>
+                </a:avLst>
+              </a:prstGeom>
+              <a:grpFill/>
+              <a:ln>
+                <a:solidFill>
+                  <a:schemeClr val="bg1"/>
+                </a:solidFill>
+              </a:ln>
+            </p:spPr>
+            <p:style>
+              <a:lnRef idx="2">
+                <a:schemeClr val="accent1">
+                  <a:shade val="50000"/>
+                </a:schemeClr>
+              </a:lnRef>
+              <a:fillRef idx="1">
+                <a:schemeClr val="accent1"/>
+              </a:fillRef>
+              <a:effectRef idx="0">
+                <a:schemeClr val="accent1"/>
+              </a:effectRef>
+              <a:fontRef idx="minor">
+                <a:schemeClr val="lt1"/>
+              </a:fontRef>
+            </p:style>
+            <p:txBody>
+              <a:bodyPr rtlCol="0" anchor="ctr"/>
+              <a:lstStyle/>
+              <a:p>
+                <a:pPr algn="ctr"/>
+                <a:endParaRPr lang="ko-KR" altLang="en-US"/>
+              </a:p>
+            </p:txBody>
+          </p:sp>
+          <p:sp>
+            <p:nvSpPr>
+              <p:cNvPr id="82" name="현 81">
+                <a:extLst>
+                  <a:ext uri="{FF2B5EF4-FFF2-40B4-BE49-F238E27FC236}">
+                    <a16:creationId xmlns:a16="http://schemas.microsoft.com/office/drawing/2014/main" id="{3C46B3A2-B8EE-04FE-6FD7-CFD5D7102BE5}"/>
+                  </a:ext>
+                </a:extLst>
+              </p:cNvPr>
+              <p:cNvSpPr/>
+              <p:nvPr/>
+            </p:nvSpPr>
+            <p:spPr>
+              <a:xfrm rot="16200000">
+                <a:off x="8660741" y="1244071"/>
+                <a:ext cx="1440000" cy="1440000"/>
+              </a:xfrm>
+              <a:prstGeom prst="chord">
+                <a:avLst>
+                  <a:gd name="adj1" fmla="val 5367685"/>
+                  <a:gd name="adj2" fmla="val 16200000"/>
+                </a:avLst>
+              </a:prstGeom>
+              <a:grpFill/>
+              <a:ln>
+                <a:solidFill>
+                  <a:schemeClr val="bg1"/>
+                </a:solidFill>
+              </a:ln>
+            </p:spPr>
+            <p:style>
+              <a:lnRef idx="2">
+                <a:schemeClr val="accent1">
+                  <a:shade val="50000"/>
+                </a:schemeClr>
+              </a:lnRef>
+              <a:fillRef idx="1">
+                <a:schemeClr val="accent1"/>
+              </a:fillRef>
+              <a:effectRef idx="0">
+                <a:schemeClr val="accent1"/>
+              </a:effectRef>
+              <a:fontRef idx="minor">
+                <a:schemeClr val="lt1"/>
+              </a:fontRef>
+            </p:style>
+            <p:txBody>
+              <a:bodyPr rtlCol="0" anchor="ctr"/>
+              <a:lstStyle/>
+              <a:p>
+                <a:pPr algn="ctr"/>
+                <a:endParaRPr lang="ko-KR" altLang="en-US"/>
+              </a:p>
+            </p:txBody>
+          </p:sp>
+          <p:sp>
+            <p:nvSpPr>
+              <p:cNvPr id="83" name="현 82">
+                <a:extLst>
+                  <a:ext uri="{FF2B5EF4-FFF2-40B4-BE49-F238E27FC236}">
+                    <a16:creationId xmlns:a16="http://schemas.microsoft.com/office/drawing/2014/main" id="{359B37BD-5947-B55F-4394-10AA48B7061A}"/>
+                  </a:ext>
+                </a:extLst>
+              </p:cNvPr>
+              <p:cNvSpPr/>
+              <p:nvPr/>
+            </p:nvSpPr>
+            <p:spPr>
+              <a:xfrm rot="10800000">
+                <a:off x="7939135" y="530398"/>
+                <a:ext cx="1440000" cy="1440000"/>
+              </a:xfrm>
+              <a:prstGeom prst="chord">
+                <a:avLst>
+                  <a:gd name="adj1" fmla="val 5367685"/>
+                  <a:gd name="adj2" fmla="val 16200000"/>
+                </a:avLst>
+              </a:prstGeom>
+              <a:grpFill/>
+              <a:ln>
+                <a:solidFill>
+                  <a:schemeClr val="bg1"/>
+                </a:solidFill>
+              </a:ln>
+            </p:spPr>
+            <p:style>
+              <a:lnRef idx="2">
+                <a:schemeClr val="accent1">
+                  <a:shade val="50000"/>
+                </a:schemeClr>
+              </a:lnRef>
+              <a:fillRef idx="1">
+                <a:schemeClr val="accent1"/>
+              </a:fillRef>
+              <a:effectRef idx="0">
+                <a:schemeClr val="accent1"/>
+              </a:effectRef>
+              <a:fontRef idx="minor">
+                <a:schemeClr val="lt1"/>
+              </a:fontRef>
+            </p:style>
+            <p:txBody>
+              <a:bodyPr rtlCol="0" anchor="ctr"/>
+              <a:lstStyle/>
+              <a:p>
+                <a:pPr algn="ctr"/>
+                <a:endParaRPr lang="ko-KR" altLang="en-US"/>
+              </a:p>
+            </p:txBody>
+          </p:sp>
+          <p:sp>
+            <p:nvSpPr>
+              <p:cNvPr id="84" name="현 83">
+                <a:extLst>
+                  <a:ext uri="{FF2B5EF4-FFF2-40B4-BE49-F238E27FC236}">
+                    <a16:creationId xmlns:a16="http://schemas.microsoft.com/office/drawing/2014/main" id="{4052A158-26C6-6C0A-359C-D6EBA10E7F53}"/>
+                  </a:ext>
+                </a:extLst>
+              </p:cNvPr>
+              <p:cNvSpPr/>
+              <p:nvPr/>
+            </p:nvSpPr>
+            <p:spPr>
+              <a:xfrm rot="5400000">
+                <a:off x="7216542" y="1256047"/>
+                <a:ext cx="1476698" cy="1440000"/>
+              </a:xfrm>
+              <a:prstGeom prst="chord">
+                <a:avLst>
+                  <a:gd name="adj1" fmla="val 5367685"/>
+                  <a:gd name="adj2" fmla="val 16200000"/>
+                </a:avLst>
+              </a:prstGeom>
+              <a:grpFill/>
+              <a:ln>
+                <a:solidFill>
+                  <a:schemeClr val="bg1"/>
+                </a:solidFill>
+              </a:ln>
+            </p:spPr>
+            <p:style>
+              <a:lnRef idx="2">
+                <a:schemeClr val="accent1">
+                  <a:shade val="50000"/>
+                </a:schemeClr>
+              </a:lnRef>
+              <a:fillRef idx="1">
+                <a:schemeClr val="accent1"/>
+              </a:fillRef>
+              <a:effectRef idx="0">
+                <a:schemeClr val="accent1"/>
+              </a:effectRef>
+              <a:fontRef idx="minor">
+                <a:schemeClr val="lt1"/>
+              </a:fontRef>
+            </p:style>
+            <p:txBody>
+              <a:bodyPr rtlCol="0" anchor="ctr"/>
+              <a:lstStyle/>
+              <a:p>
+                <a:pPr algn="ctr"/>
+                <a:endParaRPr lang="ko-KR" altLang="en-US"/>
+              </a:p>
+            </p:txBody>
+          </p:sp>
+        </p:grpSp>
+        <p:sp>
+          <p:nvSpPr>
+            <p:cNvPr id="76" name="직사각형 75">
+              <a:extLst>
+                <a:ext uri="{FF2B5EF4-FFF2-40B4-BE49-F238E27FC236}">
+                  <a16:creationId xmlns:a16="http://schemas.microsoft.com/office/drawing/2014/main" id="{B5B10E2D-32C4-4459-388F-889ECE0DEDC5}"/>
+                </a:ext>
+              </a:extLst>
+            </p:cNvPr>
+            <p:cNvSpPr>
+              <a:spLocks noChangeAspect="1"/>
+            </p:cNvSpPr>
+            <p:nvPr/>
+          </p:nvSpPr>
+          <p:spPr>
+            <a:xfrm>
+              <a:off x="8419241" y="2913597"/>
+              <a:ext cx="154318" cy="259561"/>
+            </a:xfrm>
+            <a:prstGeom prst="rect">
+              <a:avLst/>
+            </a:prstGeom>
+            <a:solidFill>
+              <a:schemeClr val="bg1"/>
+            </a:solidFill>
+            <a:ln>
+              <a:solidFill>
+                <a:schemeClr val="bg1"/>
+              </a:solidFill>
+            </a:ln>
+          </p:spPr>
+          <p:style>
+            <a:lnRef idx="2">
+              <a:schemeClr val="accent1">
+                <a:shade val="50000"/>
+              </a:schemeClr>
+            </a:lnRef>
+            <a:fillRef idx="1">
+              <a:schemeClr val="accent1"/>
+            </a:fillRef>
+            <a:effectRef idx="0">
+              <a:schemeClr val="accent1"/>
+            </a:effectRef>
+            <a:fontRef idx="minor">
+              <a:schemeClr val="lt1"/>
+            </a:fontRef>
+          </p:style>
+          <p:txBody>
+            <a:bodyPr rtlCol="0" anchor="ctr"/>
+            <a:lstStyle/>
+            <a:p>
+              <a:pPr algn="ctr"/>
+              <a:endParaRPr lang="ko-KR" altLang="en-US"/>
+            </a:p>
+          </p:txBody>
+        </p:sp>
+        <p:sp>
+          <p:nvSpPr>
+            <p:cNvPr id="77" name="직사각형 76">
+              <a:extLst>
+                <a:ext uri="{FF2B5EF4-FFF2-40B4-BE49-F238E27FC236}">
+                  <a16:creationId xmlns:a16="http://schemas.microsoft.com/office/drawing/2014/main" id="{60214048-AC17-EC89-B9DF-C6290F6DC05F}"/>
+                </a:ext>
+              </a:extLst>
+            </p:cNvPr>
+            <p:cNvSpPr>
+              <a:spLocks noChangeAspect="1"/>
+            </p:cNvSpPr>
+            <p:nvPr/>
+          </p:nvSpPr>
+          <p:spPr>
+            <a:xfrm>
+              <a:off x="8640244" y="2794891"/>
+              <a:ext cx="154318" cy="378266"/>
+            </a:xfrm>
+            <a:prstGeom prst="rect">
+              <a:avLst/>
+            </a:prstGeom>
+            <a:solidFill>
+              <a:schemeClr val="bg1"/>
+            </a:solidFill>
+            <a:ln>
+              <a:solidFill>
+                <a:schemeClr val="bg1"/>
+              </a:solidFill>
+            </a:ln>
+          </p:spPr>
+          <p:style>
+            <a:lnRef idx="2">
+              <a:schemeClr val="accent1">
+                <a:shade val="50000"/>
+              </a:schemeClr>
+            </a:lnRef>
+            <a:fillRef idx="1">
+              <a:schemeClr val="accent1"/>
+            </a:fillRef>
+            <a:effectRef idx="0">
+              <a:schemeClr val="accent1"/>
+            </a:effectRef>
+            <a:fontRef idx="minor">
+              <a:schemeClr val="lt1"/>
+            </a:fontRef>
+          </p:style>
+          <p:txBody>
+            <a:bodyPr rtlCol="0" anchor="ctr"/>
+            <a:lstStyle/>
+            <a:p>
+              <a:pPr algn="ctr"/>
+              <a:endParaRPr lang="ko-KR" altLang="en-US"/>
+            </a:p>
+          </p:txBody>
+        </p:sp>
+        <p:sp>
+          <p:nvSpPr>
+            <p:cNvPr id="78" name="직사각형 77">
+              <a:extLst>
+                <a:ext uri="{FF2B5EF4-FFF2-40B4-BE49-F238E27FC236}">
+                  <a16:creationId xmlns:a16="http://schemas.microsoft.com/office/drawing/2014/main" id="{C50F0519-65B7-BF41-DFCC-B733FC4BD8CA}"/>
+                </a:ext>
+              </a:extLst>
+            </p:cNvPr>
+            <p:cNvSpPr>
+              <a:spLocks noChangeAspect="1"/>
+            </p:cNvSpPr>
+            <p:nvPr/>
+          </p:nvSpPr>
+          <p:spPr>
+            <a:xfrm>
+              <a:off x="8861249" y="2648487"/>
+              <a:ext cx="154318" cy="524670"/>
+            </a:xfrm>
+            <a:prstGeom prst="rect">
+              <a:avLst/>
+            </a:prstGeom>
+            <a:solidFill>
+              <a:schemeClr val="bg1"/>
+            </a:solidFill>
+            <a:ln>
+              <a:solidFill>
+                <a:schemeClr val="bg1"/>
+              </a:solidFill>
+            </a:ln>
+          </p:spPr>
+          <p:style>
+            <a:lnRef idx="2">
+              <a:schemeClr val="accent1">
+                <a:shade val="50000"/>
+              </a:schemeClr>
+            </a:lnRef>
+            <a:fillRef idx="1">
+              <a:schemeClr val="accent1"/>
+            </a:fillRef>
+            <a:effectRef idx="0">
+              <a:schemeClr val="accent1"/>
+            </a:effectRef>
+            <a:fontRef idx="minor">
+              <a:schemeClr val="lt1"/>
+            </a:fontRef>
+          </p:style>
+          <p:txBody>
+            <a:bodyPr rtlCol="0" anchor="ctr"/>
+            <a:lstStyle/>
+            <a:p>
+              <a:pPr algn="ctr"/>
+              <a:endParaRPr lang="ko-KR" altLang="en-US"/>
+            </a:p>
+          </p:txBody>
+        </p:sp>
+        <p:sp>
+          <p:nvSpPr>
+            <p:cNvPr id="79" name="직사각형 78">
+              <a:extLst>
+                <a:ext uri="{FF2B5EF4-FFF2-40B4-BE49-F238E27FC236}">
+                  <a16:creationId xmlns:a16="http://schemas.microsoft.com/office/drawing/2014/main" id="{C8D3F964-697A-0CE3-834D-9726B09CA29B}"/>
+                </a:ext>
+              </a:extLst>
+            </p:cNvPr>
+            <p:cNvSpPr>
+              <a:spLocks noChangeAspect="1"/>
+            </p:cNvSpPr>
+            <p:nvPr/>
+          </p:nvSpPr>
+          <p:spPr>
+            <a:xfrm>
+              <a:off x="9082252" y="2503800"/>
+              <a:ext cx="154318" cy="669359"/>
+            </a:xfrm>
+            <a:prstGeom prst="rect">
+              <a:avLst/>
+            </a:prstGeom>
+            <a:solidFill>
+              <a:schemeClr val="bg1"/>
+            </a:solidFill>
+            <a:ln>
+              <a:noFill/>
+            </a:ln>
+          </p:spPr>
+          <p:style>
+            <a:lnRef idx="2">
+              <a:schemeClr val="accent1">
+                <a:shade val="50000"/>
+              </a:schemeClr>
+            </a:lnRef>
+            <a:fillRef idx="1">
+              <a:schemeClr val="accent1"/>
+            </a:fillRef>
+            <a:effectRef idx="0">
+              <a:schemeClr val="accent1"/>
+            </a:effectRef>
+            <a:fontRef idx="minor">
+              <a:schemeClr val="lt1"/>
+            </a:fontRef>
+          </p:style>
+          <p:txBody>
+            <a:bodyPr rtlCol="0" anchor="ctr"/>
+            <a:lstStyle/>
+            <a:p>
+              <a:pPr algn="ctr"/>
+              <a:endParaRPr lang="ko-KR" altLang="en-US"/>
+            </a:p>
+          </p:txBody>
+        </p:sp>
+        <p:sp>
+          <p:nvSpPr>
+            <p:cNvPr id="80" name="직사각형 79">
+              <a:extLst>
+                <a:ext uri="{FF2B5EF4-FFF2-40B4-BE49-F238E27FC236}">
+                  <a16:creationId xmlns:a16="http://schemas.microsoft.com/office/drawing/2014/main" id="{5F909710-6CB4-4136-B9A6-10CFE0A46573}"/>
+                </a:ext>
+              </a:extLst>
+            </p:cNvPr>
+            <p:cNvSpPr>
+              <a:spLocks noChangeAspect="1"/>
+            </p:cNvSpPr>
+            <p:nvPr/>
+          </p:nvSpPr>
+          <p:spPr>
+            <a:xfrm>
+              <a:off x="9303255" y="2359638"/>
+              <a:ext cx="154318" cy="813521"/>
+            </a:xfrm>
+            <a:prstGeom prst="rect">
+              <a:avLst/>
+            </a:prstGeom>
+            <a:solidFill>
+              <a:schemeClr val="bg1"/>
+            </a:solidFill>
+            <a:ln>
+              <a:noFill/>
+            </a:ln>
+          </p:spPr>
+          <p:style>
+            <a:lnRef idx="2">
+              <a:schemeClr val="accent1">
+                <a:shade val="50000"/>
+              </a:schemeClr>
+            </a:lnRef>
+            <a:fillRef idx="1">
+              <a:schemeClr val="accent1"/>
+            </a:fillRef>
+            <a:effectRef idx="0">
+              <a:schemeClr val="accent1"/>
+            </a:effectRef>
+            <a:fontRef idx="minor">
+              <a:schemeClr val="lt1"/>
+            </a:fontRef>
+          </p:style>
+          <p:txBody>
+            <a:bodyPr rtlCol="0" anchor="ctr"/>
+            <a:lstStyle/>
+            <a:p>
+              <a:pPr algn="ctr"/>
+              <a:endParaRPr lang="ko-KR" altLang="en-US" dirty="0"/>
+            </a:p>
+          </p:txBody>
+        </p:sp>
+      </p:grpSp>
+      <p:sp>
+        <p:nvSpPr>
+          <p:cNvPr id="85" name="십자형 84">
+            <a:extLst>
+              <a:ext uri="{FF2B5EF4-FFF2-40B4-BE49-F238E27FC236}">
+                <a16:creationId xmlns:a16="http://schemas.microsoft.com/office/drawing/2014/main" id="{18333D93-E913-A780-819A-A7168B6B6FCF}"/>
+              </a:ext>
+            </a:extLst>
+          </p:cNvPr>
+          <p:cNvSpPr>
+            <a:spLocks noChangeAspect="1"/>
+          </p:cNvSpPr>
+          <p:nvPr/>
+        </p:nvSpPr>
+        <p:spPr>
+          <a:xfrm>
+            <a:off x="9043551" y="3970139"/>
+            <a:ext cx="307075" cy="307075"/>
+          </a:xfrm>
+          <a:prstGeom prst="plus">
+            <a:avLst>
+              <a:gd name="adj" fmla="val 35081"/>
+            </a:avLst>
+          </a:prstGeom>
+          <a:solidFill>
+            <a:schemeClr val="bg1"/>
+          </a:solidFill>
+          <a:ln>
+            <a:solidFill>
+              <a:schemeClr val="bg1"/>
+            </a:solidFill>
+          </a:ln>
+        </p:spPr>
+        <p:style>
+          <a:lnRef idx="2">
+            <a:schemeClr val="accent1">
+              <a:shade val="50000"/>
+            </a:schemeClr>
+          </a:lnRef>
+          <a:fillRef idx="1">
+            <a:schemeClr val="accent1"/>
+          </a:fillRef>
+          <a:effectRef idx="0">
+            <a:schemeClr val="accent1"/>
+          </a:effectRef>
+          <a:fontRef idx="minor">
+            <a:schemeClr val="lt1"/>
+          </a:fontRef>
+        </p:style>
+        <p:txBody>
+          <a:bodyPr rtlCol="0" anchor="ctr"/>
+          <a:lstStyle/>
+          <a:p>
+            <a:pPr algn="ctr"/>
+            <a:endParaRPr lang="ko-KR" altLang="en-US"/>
+          </a:p>
+        </p:txBody>
+      </p:sp>
+      <p:sp>
+        <p:nvSpPr>
+          <p:cNvPr id="86" name="직사각형 85">
+            <a:extLst>
+              <a:ext uri="{FF2B5EF4-FFF2-40B4-BE49-F238E27FC236}">
+                <a16:creationId xmlns:a16="http://schemas.microsoft.com/office/drawing/2014/main" id="{56759C05-52D9-A9F1-3017-C9667A7FBF3F}"/>
+              </a:ext>
+            </a:extLst>
+          </p:cNvPr>
+          <p:cNvSpPr/>
+          <p:nvPr/>
+        </p:nvSpPr>
+        <p:spPr>
+          <a:xfrm>
+            <a:off x="9025601" y="5959463"/>
+            <a:ext cx="342973" cy="100843"/>
+          </a:xfrm>
+          <a:prstGeom prst="rect">
+            <a:avLst/>
+          </a:prstGeom>
+          <a:solidFill>
+            <a:schemeClr val="bg1"/>
+          </a:solidFill>
+          <a:ln>
+            <a:solidFill>
+              <a:schemeClr val="bg1"/>
+            </a:solidFill>
+          </a:ln>
+        </p:spPr>
+        <p:style>
+          <a:lnRef idx="2">
+            <a:schemeClr val="accent1">
+              <a:shade val="50000"/>
+            </a:schemeClr>
+          </a:lnRef>
+          <a:fillRef idx="1">
+            <a:schemeClr val="accent1"/>
+          </a:fillRef>
+          <a:effectRef idx="0">
+            <a:schemeClr val="accent1"/>
+          </a:effectRef>
+          <a:fontRef idx="minor">
+            <a:schemeClr val="lt1"/>
+          </a:fontRef>
+        </p:style>
+        <p:txBody>
+          <a:bodyPr rtlCol="0" anchor="ctr"/>
+          <a:lstStyle/>
+          <a:p>
+            <a:pPr algn="ctr"/>
+            <a:endParaRPr lang="ko-KR" altLang="en-US"/>
+          </a:p>
+        </p:txBody>
+      </p:sp>
+    </p:spTree>
+    <p:extLst>
+      <p:ext uri="{BB962C8B-B14F-4D97-AF65-F5344CB8AC3E}">
+        <p14:creationId xmlns:p14="http://schemas.microsoft.com/office/powerpoint/2010/main" val="764539806"/>
       </p:ext>
     </p:extLst>
   </p:cSld>
